--- a/m3-3-Методы для работы со структурами данных/present.pptx
+++ b/m3-3-Методы для работы со структурами данных/present.pptx
@@ -5,32 +5,36 @@
     <p:sldMasterId id="2147483670" r:id="rId1"/>
   </p:sldMasterIdLst>
   <p:notesMasterIdLst>
-    <p:notesMasterId r:id="rId10"/>
+    <p:notesMasterId r:id="rId14"/>
   </p:notesMasterIdLst>
   <p:sldIdLst>
     <p:sldId id="256" r:id="rId2"/>
-    <p:sldId id="402" r:id="rId3"/>
-    <p:sldId id="442" r:id="rId4"/>
-    <p:sldId id="405" r:id="rId5"/>
-    <p:sldId id="400" r:id="rId6"/>
-    <p:sldId id="437" r:id="rId7"/>
-    <p:sldId id="439" r:id="rId8"/>
-    <p:sldId id="270" r:id="rId9"/>
+    <p:sldId id="405" r:id="rId3"/>
+    <p:sldId id="441" r:id="rId4"/>
+    <p:sldId id="443" r:id="rId5"/>
+    <p:sldId id="442" r:id="rId6"/>
+    <p:sldId id="445" r:id="rId7"/>
+    <p:sldId id="446" r:id="rId8"/>
+    <p:sldId id="447" r:id="rId9"/>
+    <p:sldId id="437" r:id="rId10"/>
+    <p:sldId id="439" r:id="rId11"/>
+    <p:sldId id="400" r:id="rId12"/>
+    <p:sldId id="270" r:id="rId13"/>
   </p:sldIdLst>
   <p:sldSz cx="12192000" cy="6858000"/>
   <p:notesSz cx="6858000" cy="9144000"/>
   <p:embeddedFontLst>
     <p:embeddedFont>
       <p:font typeface="Calibri" panose="020F0502020204030204" pitchFamily="34" charset="0"/>
-      <p:regular r:id="rId11"/>
-      <p:bold r:id="rId12"/>
-      <p:italic r:id="rId13"/>
-      <p:boldItalic r:id="rId14"/>
+      <p:regular r:id="rId15"/>
+      <p:bold r:id="rId16"/>
+      <p:italic r:id="rId17"/>
+      <p:boldItalic r:id="rId18"/>
     </p:embeddedFont>
     <p:embeddedFont>
       <p:font typeface="Gill Sans" panose="020B0604020202020204" charset="0"/>
-      <p:regular r:id="rId15"/>
-      <p:bold r:id="rId16"/>
+      <p:regular r:id="rId19"/>
+      <p:bold r:id="rId20"/>
     </p:embeddedFont>
   </p:embeddedFontLst>
   <p:defaultTextStyle>
@@ -1857,7 +1861,7 @@
             </a:pPr>
             <a:fld id="{00000000-1234-1234-1234-123412341234}" type="slidenum">
               <a:rPr lang="en-US"/>
-              <a:t>8</a:t>
+              <a:t>12</a:t>
             </a:fld>
             <a:endParaRPr/>
           </a:p>
@@ -26854,7 +26858,7 @@
         </p:nvSpPr>
         <p:spPr>
           <a:xfrm>
-            <a:off x="2053577" y="2720060"/>
+            <a:off x="2053577" y="3168116"/>
             <a:ext cx="8084702" cy="1417879"/>
           </a:xfrm>
           <a:prstGeom prst="rect">
@@ -26879,7 +26883,19 @@
               <a:rPr lang="ru-RU" dirty="0">
                 <a:latin typeface="Yandex Sans Text Light" panose="02000000000000000000" pitchFamily="2" charset="-52"/>
               </a:rPr>
-              <a:t>Модуль 3. Тема 2 </a:t>
+              <a:t>Модуль 3. Тема </a:t>
+            </a:r>
+            <a:r>
+              <a:rPr lang="en-US" dirty="0">
+                <a:latin typeface="Yandex Sans Text Light" panose="02000000000000000000" pitchFamily="2" charset="-52"/>
+              </a:rPr>
+              <a:t>3</a:t>
+            </a:r>
+            <a:r>
+              <a:rPr lang="ru-RU" dirty="0">
+                <a:latin typeface="Yandex Sans Text Light" panose="02000000000000000000" pitchFamily="2" charset="-52"/>
+              </a:rPr>
+              <a:t> </a:t>
             </a:r>
             <a:br>
               <a:rPr lang="en-US" dirty="0">
@@ -26890,7 +26906,7 @@
               <a:rPr lang="ru-RU" dirty="0">
                 <a:latin typeface="Yandex Sans Text Light" panose="02000000000000000000" pitchFamily="2" charset="-52"/>
               </a:rPr>
-              <a:t>Цикл с условием</a:t>
+              <a:t>Методы для работы со структурами данных</a:t>
             </a:r>
             <a:endParaRPr dirty="0"/>
           </a:p>
@@ -26957,7 +26973,7 @@
 </p:sld>
 </file>
 
-<file path=ppt/slides/slide2.xml><?xml version="1.0" encoding="utf-8"?>
+<file path=ppt/slides/slide10.xml><?xml version="1.0" encoding="utf-8"?>
 <p:sld xmlns:a="http://schemas.openxmlformats.org/drawingml/2006/main" xmlns:r="http://schemas.openxmlformats.org/officeDocument/2006/relationships" xmlns:p="http://schemas.openxmlformats.org/presentationml/2006/main">
   <p:cSld>
     <p:spTree>
@@ -26976,10 +26992,10 @@
       </p:grpSpPr>
       <p:pic>
         <p:nvPicPr>
-          <p:cNvPr id="2" name="Picture 2" descr="Picture background">
+          <p:cNvPr id="3074" name="Picture 2" descr="Python: коллекции, часть 1/4: классификация, общие подходы и методы,  конвертация / Хабр">
             <a:extLst>
               <a:ext uri="{FF2B5EF4-FFF2-40B4-BE49-F238E27FC236}">
-                <a16:creationId xmlns:a16="http://schemas.microsoft.com/office/drawing/2014/main" id="{8BC746ED-09CC-4262-AED8-2C7F46CD1EFA}"/>
+                <a16:creationId xmlns:a16="http://schemas.microsoft.com/office/drawing/2014/main" id="{B0C61D14-0827-43C2-B2A0-A500D0EDC426}"/>
               </a:ext>
             </a:extLst>
           </p:cNvPr>
@@ -26988,7 +27004,7 @@
           </p:cNvPicPr>
           <p:nvPr/>
         </p:nvPicPr>
-        <p:blipFill>
+        <p:blipFill rotWithShape="1">
           <a:blip r:embed="rId2">
             <a:extLst>
               <a:ext uri="{28A0092B-C50C-407E-A947-70E740481C1C}">
@@ -26996,195 +27012,13 @@
               </a:ext>
             </a:extLst>
           </a:blip>
-          <a:srcRect/>
-          <a:stretch>
-            <a:fillRect/>
-          </a:stretch>
+          <a:srcRect l="1105" t="10422" r="1043" b="1814"/>
+          <a:stretch/>
         </p:blipFill>
         <p:spPr bwMode="auto">
           <a:xfrm>
-            <a:off x="210312" y="281178"/>
-            <a:ext cx="7110984" cy="5333238"/>
-          </a:xfrm>
-          <a:prstGeom prst="rect">
-            <a:avLst/>
-          </a:prstGeom>
-          <a:noFill/>
-          <a:extLst>
-            <a:ext uri="{909E8E84-426E-40DD-AFC4-6F175D3DCCD1}">
-              <a14:hiddenFill xmlns:a14="http://schemas.microsoft.com/office/drawing/2010/main">
-                <a:solidFill>
-                  <a:srgbClr val="FFFFFF"/>
-                </a:solidFill>
-              </a14:hiddenFill>
-            </a:ext>
-          </a:extLst>
-        </p:spPr>
-      </p:pic>
-      <p:grpSp>
-        <p:nvGrpSpPr>
-          <p:cNvPr id="6" name="Группа 5">
-            <a:extLst>
-              <a:ext uri="{FF2B5EF4-FFF2-40B4-BE49-F238E27FC236}">
-                <a16:creationId xmlns:a16="http://schemas.microsoft.com/office/drawing/2014/main" id="{EF82F6D4-61BE-4E74-BBE6-8A182B0C0C7D}"/>
-              </a:ext>
-            </a:extLst>
-          </p:cNvPr>
-          <p:cNvGrpSpPr/>
-          <p:nvPr/>
-        </p:nvGrpSpPr>
-        <p:grpSpPr>
-          <a:xfrm>
-            <a:off x="5397627" y="2354580"/>
-            <a:ext cx="6041517" cy="4101084"/>
-            <a:chOff x="5397627" y="2354580"/>
-            <a:chExt cx="6041517" cy="4101084"/>
-          </a:xfrm>
-        </p:grpSpPr>
-        <p:pic>
-          <p:nvPicPr>
-            <p:cNvPr id="4" name="Рисунок 3">
-              <a:extLst>
-                <a:ext uri="{FF2B5EF4-FFF2-40B4-BE49-F238E27FC236}">
-                  <a16:creationId xmlns:a16="http://schemas.microsoft.com/office/drawing/2014/main" id="{7A41226F-9FCB-4D39-AFEE-537A40BC4916}"/>
-                </a:ext>
-              </a:extLst>
-            </p:cNvPr>
-            <p:cNvPicPr>
-              <a:picLocks noChangeAspect="1"/>
-            </p:cNvPicPr>
-            <p:nvPr/>
-          </p:nvPicPr>
-          <p:blipFill>
-            <a:blip r:embed="rId3"/>
-            <a:stretch>
-              <a:fillRect/>
-            </a:stretch>
-          </p:blipFill>
-          <p:spPr>
-            <a:xfrm>
-              <a:off x="5397627" y="2354580"/>
-              <a:ext cx="5671566" cy="3781044"/>
-            </a:xfrm>
-            <a:prstGeom prst="rect">
-              <a:avLst/>
-            </a:prstGeom>
-          </p:spPr>
-        </p:pic>
-        <p:sp>
-          <p:nvSpPr>
-            <p:cNvPr id="5" name="Прямоугольник 4">
-              <a:extLst>
-                <a:ext uri="{FF2B5EF4-FFF2-40B4-BE49-F238E27FC236}">
-                  <a16:creationId xmlns:a16="http://schemas.microsoft.com/office/drawing/2014/main" id="{00C91A34-9222-4A23-91BA-A156E6816872}"/>
-                </a:ext>
-              </a:extLst>
-            </p:cNvPr>
-            <p:cNvSpPr/>
-            <p:nvPr/>
-          </p:nvSpPr>
-          <p:spPr>
-            <a:xfrm>
-              <a:off x="8110728" y="5431536"/>
-              <a:ext cx="3328416" cy="1024128"/>
-            </a:xfrm>
-            <a:prstGeom prst="rect">
-              <a:avLst/>
-            </a:prstGeom>
-            <a:solidFill>
-              <a:schemeClr val="bg1"/>
-            </a:solidFill>
-            <a:ln>
-              <a:noFill/>
-            </a:ln>
-          </p:spPr>
-          <p:style>
-            <a:lnRef idx="2">
-              <a:schemeClr val="accent1">
-                <a:shade val="50000"/>
-              </a:schemeClr>
-            </a:lnRef>
-            <a:fillRef idx="1">
-              <a:schemeClr val="accent1"/>
-            </a:fillRef>
-            <a:effectRef idx="0">
-              <a:schemeClr val="accent1"/>
-            </a:effectRef>
-            <a:fontRef idx="minor">
-              <a:schemeClr val="lt1"/>
-            </a:fontRef>
-          </p:style>
-          <p:txBody>
-            <a:bodyPr rtlCol="0" anchor="ctr"/>
-            <a:lstStyle/>
-            <a:p>
-              <a:pPr algn="ctr"/>
-              <a:endParaRPr lang="ru-RU"/>
-            </a:p>
-          </p:txBody>
-        </p:sp>
-      </p:grpSp>
-    </p:spTree>
-    <p:extLst>
-      <p:ext uri="{BB962C8B-B14F-4D97-AF65-F5344CB8AC3E}">
-        <p14:creationId xmlns:p14="http://schemas.microsoft.com/office/powerpoint/2010/main" val="1234225991"/>
-      </p:ext>
-    </p:extLst>
-  </p:cSld>
-  <p:clrMapOvr>
-    <a:masterClrMapping/>
-  </p:clrMapOvr>
-</p:sld>
-</file>
-
-<file path=ppt/slides/slide3.xml><?xml version="1.0" encoding="utf-8"?>
-<p:sld xmlns:a="http://schemas.openxmlformats.org/drawingml/2006/main" xmlns:r="http://schemas.openxmlformats.org/officeDocument/2006/relationships" xmlns:p="http://schemas.openxmlformats.org/presentationml/2006/main">
-  <p:cSld>
-    <p:spTree>
-      <p:nvGrpSpPr>
-        <p:cNvPr id="1" name=""/>
-        <p:cNvGrpSpPr/>
-        <p:nvPr/>
-      </p:nvGrpSpPr>
-      <p:grpSpPr>
-        <a:xfrm>
-          <a:off x="0" y="0"/>
-          <a:ext cx="0" cy="0"/>
-          <a:chOff x="0" y="0"/>
-          <a:chExt cx="0" cy="0"/>
-        </a:xfrm>
-      </p:grpSpPr>
-      <p:pic>
-        <p:nvPicPr>
-          <p:cNvPr id="6146" name="Picture 2" descr="https://habrastorage.org/r/w1560/files/d15/679/28e/d1567928e55649d59fb95f337ef0387f.png">
-            <a:extLst>
-              <a:ext uri="{FF2B5EF4-FFF2-40B4-BE49-F238E27FC236}">
-                <a16:creationId xmlns:a16="http://schemas.microsoft.com/office/drawing/2014/main" id="{8CF6D6EA-1FD8-4522-871E-0376AF97882F}"/>
-              </a:ext>
-            </a:extLst>
-          </p:cNvPr>
-          <p:cNvPicPr>
-            <a:picLocks noChangeAspect="1" noChangeArrowheads="1"/>
-          </p:cNvPicPr>
-          <p:nvPr/>
-        </p:nvPicPr>
-        <p:blipFill>
-          <a:blip r:embed="rId2">
-            <a:extLst>
-              <a:ext uri="{28A0092B-C50C-407E-A947-70E740481C1C}">
-                <a14:useLocalDpi xmlns:a14="http://schemas.microsoft.com/office/drawing/2010/main" val="0"/>
-              </a:ext>
-            </a:extLst>
-          </a:blip>
-          <a:srcRect/>
-          <a:stretch>
-            <a:fillRect/>
-          </a:stretch>
-        </p:blipFill>
-        <p:spPr bwMode="auto">
-          <a:xfrm>
-            <a:off x="655423" y="2421560"/>
-            <a:ext cx="10881154" cy="3147136"/>
+            <a:off x="516047" y="903083"/>
+            <a:ext cx="8891227" cy="5051834"/>
           </a:xfrm>
           <a:prstGeom prst="rect">
             <a:avLst/>
@@ -27213,7 +27047,7 @@
     </p:spTree>
     <p:extLst>
       <p:ext uri="{BB962C8B-B14F-4D97-AF65-F5344CB8AC3E}">
-        <p14:creationId xmlns:p14="http://schemas.microsoft.com/office/powerpoint/2010/main" val="2391172157"/>
+        <p14:creationId xmlns:p14="http://schemas.microsoft.com/office/powerpoint/2010/main" val="4198075388"/>
       </p:ext>
     </p:extLst>
   </p:cSld>
@@ -27223,845 +27057,7 @@
 </p:sld>
 </file>
 
-<file path=ppt/slides/slide4.xml><?xml version="1.0" encoding="utf-8"?>
-<p:sld xmlns:a="http://schemas.openxmlformats.org/drawingml/2006/main" xmlns:r="http://schemas.openxmlformats.org/officeDocument/2006/relationships" xmlns:p="http://schemas.openxmlformats.org/presentationml/2006/main">
-  <p:cSld>
-    <p:spTree>
-      <p:nvGrpSpPr>
-        <p:cNvPr id="1" name=""/>
-        <p:cNvGrpSpPr/>
-        <p:nvPr/>
-      </p:nvGrpSpPr>
-      <p:grpSpPr>
-        <a:xfrm>
-          <a:off x="0" y="0"/>
-          <a:ext cx="0" cy="0"/>
-          <a:chOff x="0" y="0"/>
-          <a:chExt cx="0" cy="0"/>
-        </a:xfrm>
-      </p:grpSpPr>
-      <p:sp>
-        <p:nvSpPr>
-          <p:cNvPr id="4" name="Прямоугольник 3">
-            <a:extLst>
-              <a:ext uri="{FF2B5EF4-FFF2-40B4-BE49-F238E27FC236}">
-                <a16:creationId xmlns:a16="http://schemas.microsoft.com/office/drawing/2014/main" id="{49A87C9B-1F1D-4AED-BA66-14F25C4F766E}"/>
-              </a:ext>
-            </a:extLst>
-          </p:cNvPr>
-          <p:cNvSpPr/>
-          <p:nvPr/>
-        </p:nvSpPr>
-        <p:spPr>
-          <a:xfrm>
-            <a:off x="776376" y="1702022"/>
-            <a:ext cx="9273396" cy="4004173"/>
-          </a:xfrm>
-          <a:prstGeom prst="rect">
-            <a:avLst/>
-          </a:prstGeom>
-        </p:spPr>
-        <p:txBody>
-          <a:bodyPr wrap="square">
-            <a:spAutoFit/>
-          </a:bodyPr>
-          <a:lstStyle/>
-          <a:p>
-            <a:pPr>
-              <a:lnSpc>
-                <a:spcPct val="107000"/>
-              </a:lnSpc>
-              <a:spcAft>
-                <a:spcPts val="0"/>
-              </a:spcAft>
-              <a:tabLst>
-                <a:tab pos="581660" algn="l"/>
-                <a:tab pos="1163320" algn="l"/>
-                <a:tab pos="1744980" algn="l"/>
-                <a:tab pos="2326640" algn="l"/>
-                <a:tab pos="2908300" algn="l"/>
-                <a:tab pos="3489960" algn="l"/>
-                <a:tab pos="4071620" algn="l"/>
-                <a:tab pos="4653280" algn="l"/>
-                <a:tab pos="5234940" algn="l"/>
-                <a:tab pos="5816600" algn="l"/>
-                <a:tab pos="6398260" algn="l"/>
-                <a:tab pos="6979920" algn="l"/>
-                <a:tab pos="7561580" algn="l"/>
-                <a:tab pos="8143240" algn="l"/>
-                <a:tab pos="8724900" algn="l"/>
-                <a:tab pos="9306560" algn="l"/>
-              </a:tabLst>
-            </a:pPr>
-            <a:r>
-              <a:rPr lang="ru-RU" sz="4800" dirty="0">
-                <a:solidFill>
-                  <a:srgbClr val="080808"/>
-                </a:solidFill>
-                <a:latin typeface="Arial" panose="020B0604020202020204" pitchFamily="34" charset="0"/>
-                <a:ea typeface="Times New Roman" panose="02020603050405020304" pitchFamily="18" charset="0"/>
-                <a:cs typeface="Times New Roman" panose="02020603050405020304" pitchFamily="18" charset="0"/>
-              </a:rPr>
-              <a:t>s = </a:t>
-            </a:r>
-            <a:r>
-              <a:rPr lang="ru-RU" sz="4800" dirty="0">
-                <a:solidFill>
-                  <a:srgbClr val="067D17"/>
-                </a:solidFill>
-                <a:latin typeface="Arial" panose="020B0604020202020204" pitchFamily="34" charset="0"/>
-                <a:ea typeface="Times New Roman" panose="02020603050405020304" pitchFamily="18" charset="0"/>
-                <a:cs typeface="Times New Roman" panose="02020603050405020304" pitchFamily="18" charset="0"/>
-              </a:rPr>
-              <a:t>'</a:t>
-            </a:r>
-            <a:r>
-              <a:rPr lang="ru-RU" sz="4800" dirty="0" err="1">
-                <a:solidFill>
-                  <a:srgbClr val="067D17"/>
-                </a:solidFill>
-                <a:latin typeface="Arial" panose="020B0604020202020204" pitchFamily="34" charset="0"/>
-                <a:ea typeface="Times New Roman" panose="02020603050405020304" pitchFamily="18" charset="0"/>
-                <a:cs typeface="Times New Roman" panose="02020603050405020304" pitchFamily="18" charset="0"/>
-              </a:rPr>
-              <a:t>Python</a:t>
-            </a:r>
-            <a:r>
-              <a:rPr lang="ru-RU" sz="4800" dirty="0">
-                <a:solidFill>
-                  <a:srgbClr val="067D17"/>
-                </a:solidFill>
-                <a:latin typeface="Arial" panose="020B0604020202020204" pitchFamily="34" charset="0"/>
-                <a:ea typeface="Times New Roman" panose="02020603050405020304" pitchFamily="18" charset="0"/>
-                <a:cs typeface="Times New Roman" panose="02020603050405020304" pitchFamily="18" charset="0"/>
-              </a:rPr>
-              <a:t>’  </a:t>
-            </a:r>
-          </a:p>
-          <a:p>
-            <a:pPr>
-              <a:lnSpc>
-                <a:spcPct val="107000"/>
-              </a:lnSpc>
-              <a:spcAft>
-                <a:spcPts val="0"/>
-              </a:spcAft>
-              <a:tabLst>
-                <a:tab pos="581660" algn="l"/>
-                <a:tab pos="1163320" algn="l"/>
-                <a:tab pos="1744980" algn="l"/>
-                <a:tab pos="2326640" algn="l"/>
-                <a:tab pos="2908300" algn="l"/>
-                <a:tab pos="3489960" algn="l"/>
-                <a:tab pos="4071620" algn="l"/>
-                <a:tab pos="4653280" algn="l"/>
-                <a:tab pos="5234940" algn="l"/>
-                <a:tab pos="5816600" algn="l"/>
-                <a:tab pos="6398260" algn="l"/>
-                <a:tab pos="6979920" algn="l"/>
-                <a:tab pos="7561580" algn="l"/>
-                <a:tab pos="8143240" algn="l"/>
-                <a:tab pos="8724900" algn="l"/>
-                <a:tab pos="9306560" algn="l"/>
-              </a:tabLst>
-            </a:pPr>
-            <a:r>
-              <a:rPr lang="ru-RU" sz="4800" dirty="0">
-                <a:solidFill>
-                  <a:srgbClr val="080808"/>
-                </a:solidFill>
-                <a:latin typeface="Arial" panose="020B0604020202020204" pitchFamily="34" charset="0"/>
-                <a:ea typeface="Times New Roman" panose="02020603050405020304" pitchFamily="18" charset="0"/>
-                <a:cs typeface="Times New Roman" panose="02020603050405020304" pitchFamily="18" charset="0"/>
-              </a:rPr>
-              <a:t>l = [</a:t>
-            </a:r>
-            <a:r>
-              <a:rPr lang="ru-RU" sz="4800" dirty="0">
-                <a:solidFill>
-                  <a:srgbClr val="1750EB"/>
-                </a:solidFill>
-                <a:latin typeface="Arial" panose="020B0604020202020204" pitchFamily="34" charset="0"/>
-                <a:ea typeface="Times New Roman" panose="02020603050405020304" pitchFamily="18" charset="0"/>
-                <a:cs typeface="Times New Roman" panose="02020603050405020304" pitchFamily="18" charset="0"/>
-              </a:rPr>
-              <a:t>3</a:t>
-            </a:r>
-            <a:r>
-              <a:rPr lang="ru-RU" sz="4800" dirty="0">
-                <a:solidFill>
-                  <a:srgbClr val="080808"/>
-                </a:solidFill>
-                <a:latin typeface="Arial" panose="020B0604020202020204" pitchFamily="34" charset="0"/>
-                <a:ea typeface="Times New Roman" panose="02020603050405020304" pitchFamily="18" charset="0"/>
-                <a:cs typeface="Times New Roman" panose="02020603050405020304" pitchFamily="18" charset="0"/>
-              </a:rPr>
-              <a:t>, </a:t>
-            </a:r>
-            <a:r>
-              <a:rPr lang="ru-RU" sz="4800" dirty="0">
-                <a:solidFill>
-                  <a:srgbClr val="1750EB"/>
-                </a:solidFill>
-                <a:latin typeface="Arial" panose="020B0604020202020204" pitchFamily="34" charset="0"/>
-                <a:ea typeface="Times New Roman" panose="02020603050405020304" pitchFamily="18" charset="0"/>
-                <a:cs typeface="Times New Roman" panose="02020603050405020304" pitchFamily="18" charset="0"/>
-              </a:rPr>
-              <a:t>7</a:t>
-            </a:r>
-            <a:r>
-              <a:rPr lang="ru-RU" sz="4800" dirty="0">
-                <a:solidFill>
-                  <a:srgbClr val="080808"/>
-                </a:solidFill>
-                <a:latin typeface="Arial" panose="020B0604020202020204" pitchFamily="34" charset="0"/>
-                <a:ea typeface="Times New Roman" panose="02020603050405020304" pitchFamily="18" charset="0"/>
-                <a:cs typeface="Times New Roman" panose="02020603050405020304" pitchFamily="18" charset="0"/>
-              </a:rPr>
-              <a:t>, </a:t>
-            </a:r>
-            <a:r>
-              <a:rPr lang="ru-RU" sz="4800" dirty="0">
-                <a:solidFill>
-                  <a:srgbClr val="1750EB"/>
-                </a:solidFill>
-                <a:latin typeface="Arial" panose="020B0604020202020204" pitchFamily="34" charset="0"/>
-                <a:ea typeface="Times New Roman" panose="02020603050405020304" pitchFamily="18" charset="0"/>
-                <a:cs typeface="Times New Roman" panose="02020603050405020304" pitchFamily="18" charset="0"/>
-              </a:rPr>
-              <a:t>5.5</a:t>
-            </a:r>
-            <a:r>
-              <a:rPr lang="ru-RU" sz="4800" dirty="0">
-                <a:solidFill>
-                  <a:srgbClr val="080808"/>
-                </a:solidFill>
-                <a:latin typeface="Arial" panose="020B0604020202020204" pitchFamily="34" charset="0"/>
-                <a:ea typeface="Times New Roman" panose="02020603050405020304" pitchFamily="18" charset="0"/>
-                <a:cs typeface="Times New Roman" panose="02020603050405020304" pitchFamily="18" charset="0"/>
-              </a:rPr>
-              <a:t>, </a:t>
-            </a:r>
-            <a:r>
-              <a:rPr lang="ru-RU" sz="4800" dirty="0">
-                <a:solidFill>
-                  <a:srgbClr val="067D17"/>
-                </a:solidFill>
-                <a:latin typeface="Arial" panose="020B0604020202020204" pitchFamily="34" charset="0"/>
-                <a:ea typeface="Times New Roman" panose="02020603050405020304" pitchFamily="18" charset="0"/>
-                <a:cs typeface="Times New Roman" panose="02020603050405020304" pitchFamily="18" charset="0"/>
-              </a:rPr>
-              <a:t>'</a:t>
-            </a:r>
-            <a:r>
-              <a:rPr lang="ru-RU" sz="4800" dirty="0" err="1">
-                <a:solidFill>
-                  <a:srgbClr val="067D17"/>
-                </a:solidFill>
-                <a:latin typeface="Arial" panose="020B0604020202020204" pitchFamily="34" charset="0"/>
-                <a:ea typeface="Times New Roman" panose="02020603050405020304" pitchFamily="18" charset="0"/>
-                <a:cs typeface="Times New Roman" panose="02020603050405020304" pitchFamily="18" charset="0"/>
-              </a:rPr>
-              <a:t>Python</a:t>
-            </a:r>
-            <a:r>
-              <a:rPr lang="ru-RU" sz="4800" dirty="0">
-                <a:solidFill>
-                  <a:srgbClr val="067D17"/>
-                </a:solidFill>
-                <a:latin typeface="Arial" panose="020B0604020202020204" pitchFamily="34" charset="0"/>
-                <a:ea typeface="Times New Roman" panose="02020603050405020304" pitchFamily="18" charset="0"/>
-                <a:cs typeface="Times New Roman" panose="02020603050405020304" pitchFamily="18" charset="0"/>
-              </a:rPr>
-              <a:t>'</a:t>
-            </a:r>
-            <a:r>
-              <a:rPr lang="ru-RU" sz="4800" dirty="0">
-                <a:solidFill>
-                  <a:srgbClr val="080808"/>
-                </a:solidFill>
-                <a:latin typeface="Arial" panose="020B0604020202020204" pitchFamily="34" charset="0"/>
-                <a:ea typeface="Times New Roman" panose="02020603050405020304" pitchFamily="18" charset="0"/>
-                <a:cs typeface="Times New Roman" panose="02020603050405020304" pitchFamily="18" charset="0"/>
-              </a:rPr>
-              <a:t>, </a:t>
-            </a:r>
-            <a:r>
-              <a:rPr lang="ru-RU" sz="4800" dirty="0" err="1">
-                <a:solidFill>
-                  <a:srgbClr val="0033B3"/>
-                </a:solidFill>
-                <a:latin typeface="Arial" panose="020B0604020202020204" pitchFamily="34" charset="0"/>
-                <a:ea typeface="Times New Roman" panose="02020603050405020304" pitchFamily="18" charset="0"/>
-                <a:cs typeface="Times New Roman" panose="02020603050405020304" pitchFamily="18" charset="0"/>
-              </a:rPr>
-              <a:t>True</a:t>
-            </a:r>
-            <a:r>
-              <a:rPr lang="ru-RU" sz="4800" dirty="0">
-                <a:solidFill>
-                  <a:srgbClr val="080808"/>
-                </a:solidFill>
-                <a:latin typeface="Arial" panose="020B0604020202020204" pitchFamily="34" charset="0"/>
-                <a:ea typeface="Times New Roman" panose="02020603050405020304" pitchFamily="18" charset="0"/>
-                <a:cs typeface="Times New Roman" panose="02020603050405020304" pitchFamily="18" charset="0"/>
-              </a:rPr>
-              <a:t>] </a:t>
-            </a:r>
-          </a:p>
-          <a:p>
-            <a:pPr>
-              <a:lnSpc>
-                <a:spcPct val="107000"/>
-              </a:lnSpc>
-              <a:spcAft>
-                <a:spcPts val="0"/>
-              </a:spcAft>
-              <a:tabLst>
-                <a:tab pos="581660" algn="l"/>
-                <a:tab pos="1163320" algn="l"/>
-                <a:tab pos="1744980" algn="l"/>
-                <a:tab pos="2326640" algn="l"/>
-                <a:tab pos="2908300" algn="l"/>
-                <a:tab pos="3489960" algn="l"/>
-                <a:tab pos="4071620" algn="l"/>
-                <a:tab pos="4653280" algn="l"/>
-                <a:tab pos="5234940" algn="l"/>
-                <a:tab pos="5816600" algn="l"/>
-                <a:tab pos="6398260" algn="l"/>
-                <a:tab pos="6979920" algn="l"/>
-                <a:tab pos="7561580" algn="l"/>
-                <a:tab pos="8143240" algn="l"/>
-                <a:tab pos="8724900" algn="l"/>
-                <a:tab pos="9306560" algn="l"/>
-              </a:tabLst>
-            </a:pPr>
-            <a:r>
-              <a:rPr lang="ru-RU" sz="4800" dirty="0">
-                <a:solidFill>
-                  <a:srgbClr val="080808"/>
-                </a:solidFill>
-                <a:latin typeface="Arial" panose="020B0604020202020204" pitchFamily="34" charset="0"/>
-                <a:ea typeface="Times New Roman" panose="02020603050405020304" pitchFamily="18" charset="0"/>
-                <a:cs typeface="Times New Roman" panose="02020603050405020304" pitchFamily="18" charset="0"/>
-              </a:rPr>
-              <a:t>t = (</a:t>
-            </a:r>
-            <a:r>
-              <a:rPr lang="ru-RU" sz="4800" dirty="0">
-                <a:solidFill>
-                  <a:srgbClr val="1750EB"/>
-                </a:solidFill>
-                <a:latin typeface="Arial" panose="020B0604020202020204" pitchFamily="34" charset="0"/>
-                <a:ea typeface="Times New Roman" panose="02020603050405020304" pitchFamily="18" charset="0"/>
-                <a:cs typeface="Times New Roman" panose="02020603050405020304" pitchFamily="18" charset="0"/>
-              </a:rPr>
-              <a:t>3</a:t>
-            </a:r>
-            <a:r>
-              <a:rPr lang="ru-RU" sz="4800" dirty="0">
-                <a:solidFill>
-                  <a:srgbClr val="080808"/>
-                </a:solidFill>
-                <a:latin typeface="Arial" panose="020B0604020202020204" pitchFamily="34" charset="0"/>
-                <a:ea typeface="Times New Roman" panose="02020603050405020304" pitchFamily="18" charset="0"/>
-                <a:cs typeface="Times New Roman" panose="02020603050405020304" pitchFamily="18" charset="0"/>
-              </a:rPr>
-              <a:t>, </a:t>
-            </a:r>
-            <a:r>
-              <a:rPr lang="ru-RU" sz="4800" dirty="0">
-                <a:solidFill>
-                  <a:srgbClr val="1750EB"/>
-                </a:solidFill>
-                <a:latin typeface="Arial" panose="020B0604020202020204" pitchFamily="34" charset="0"/>
-                <a:ea typeface="Times New Roman" panose="02020603050405020304" pitchFamily="18" charset="0"/>
-                <a:cs typeface="Times New Roman" panose="02020603050405020304" pitchFamily="18" charset="0"/>
-              </a:rPr>
-              <a:t>7</a:t>
-            </a:r>
-            <a:r>
-              <a:rPr lang="ru-RU" sz="4800" dirty="0">
-                <a:solidFill>
-                  <a:srgbClr val="080808"/>
-                </a:solidFill>
-                <a:latin typeface="Arial" panose="020B0604020202020204" pitchFamily="34" charset="0"/>
-                <a:ea typeface="Times New Roman" panose="02020603050405020304" pitchFamily="18" charset="0"/>
-                <a:cs typeface="Times New Roman" panose="02020603050405020304" pitchFamily="18" charset="0"/>
-              </a:rPr>
-              <a:t>, </a:t>
-            </a:r>
-            <a:r>
-              <a:rPr lang="ru-RU" sz="4800" dirty="0">
-                <a:solidFill>
-                  <a:srgbClr val="1750EB"/>
-                </a:solidFill>
-                <a:latin typeface="Arial" panose="020B0604020202020204" pitchFamily="34" charset="0"/>
-                <a:ea typeface="Times New Roman" panose="02020603050405020304" pitchFamily="18" charset="0"/>
-                <a:cs typeface="Times New Roman" panose="02020603050405020304" pitchFamily="18" charset="0"/>
-              </a:rPr>
-              <a:t>5.5</a:t>
-            </a:r>
-            <a:r>
-              <a:rPr lang="ru-RU" sz="4800" dirty="0">
-                <a:solidFill>
-                  <a:srgbClr val="080808"/>
-                </a:solidFill>
-                <a:latin typeface="Arial" panose="020B0604020202020204" pitchFamily="34" charset="0"/>
-                <a:ea typeface="Times New Roman" panose="02020603050405020304" pitchFamily="18" charset="0"/>
-                <a:cs typeface="Times New Roman" panose="02020603050405020304" pitchFamily="18" charset="0"/>
-              </a:rPr>
-              <a:t>, </a:t>
-            </a:r>
-            <a:r>
-              <a:rPr lang="ru-RU" sz="4800" dirty="0">
-                <a:solidFill>
-                  <a:srgbClr val="067D17"/>
-                </a:solidFill>
-                <a:latin typeface="Arial" panose="020B0604020202020204" pitchFamily="34" charset="0"/>
-                <a:ea typeface="Times New Roman" panose="02020603050405020304" pitchFamily="18" charset="0"/>
-                <a:cs typeface="Times New Roman" panose="02020603050405020304" pitchFamily="18" charset="0"/>
-              </a:rPr>
-              <a:t>'</a:t>
-            </a:r>
-            <a:r>
-              <a:rPr lang="ru-RU" sz="4800" dirty="0" err="1">
-                <a:solidFill>
-                  <a:srgbClr val="067D17"/>
-                </a:solidFill>
-                <a:latin typeface="Arial" panose="020B0604020202020204" pitchFamily="34" charset="0"/>
-                <a:ea typeface="Times New Roman" panose="02020603050405020304" pitchFamily="18" charset="0"/>
-                <a:cs typeface="Times New Roman" panose="02020603050405020304" pitchFamily="18" charset="0"/>
-              </a:rPr>
-              <a:t>Python</a:t>
-            </a:r>
-            <a:r>
-              <a:rPr lang="ru-RU" sz="4800" dirty="0">
-                <a:solidFill>
-                  <a:srgbClr val="067D17"/>
-                </a:solidFill>
-                <a:latin typeface="Arial" panose="020B0604020202020204" pitchFamily="34" charset="0"/>
-                <a:ea typeface="Times New Roman" panose="02020603050405020304" pitchFamily="18" charset="0"/>
-                <a:cs typeface="Times New Roman" panose="02020603050405020304" pitchFamily="18" charset="0"/>
-              </a:rPr>
-              <a:t>'</a:t>
-            </a:r>
-            <a:r>
-              <a:rPr lang="ru-RU" sz="4800" dirty="0">
-                <a:solidFill>
-                  <a:srgbClr val="080808"/>
-                </a:solidFill>
-                <a:latin typeface="Arial" panose="020B0604020202020204" pitchFamily="34" charset="0"/>
-                <a:ea typeface="Times New Roman" panose="02020603050405020304" pitchFamily="18" charset="0"/>
-                <a:cs typeface="Times New Roman" panose="02020603050405020304" pitchFamily="18" charset="0"/>
-              </a:rPr>
-              <a:t>, </a:t>
-            </a:r>
-            <a:r>
-              <a:rPr lang="ru-RU" sz="4800" dirty="0" err="1">
-                <a:solidFill>
-                  <a:srgbClr val="0033B3"/>
-                </a:solidFill>
-                <a:latin typeface="Arial" panose="020B0604020202020204" pitchFamily="34" charset="0"/>
-                <a:ea typeface="Times New Roman" panose="02020603050405020304" pitchFamily="18" charset="0"/>
-                <a:cs typeface="Times New Roman" panose="02020603050405020304" pitchFamily="18" charset="0"/>
-              </a:rPr>
-              <a:t>True</a:t>
-            </a:r>
-            <a:r>
-              <a:rPr lang="ru-RU" sz="4800" dirty="0">
-                <a:solidFill>
-                  <a:srgbClr val="080808"/>
-                </a:solidFill>
-                <a:latin typeface="Arial" panose="020B0604020202020204" pitchFamily="34" charset="0"/>
-                <a:ea typeface="Times New Roman" panose="02020603050405020304" pitchFamily="18" charset="0"/>
-                <a:cs typeface="Times New Roman" panose="02020603050405020304" pitchFamily="18" charset="0"/>
-              </a:rPr>
-              <a:t>)</a:t>
-            </a:r>
-          </a:p>
-          <a:p>
-            <a:pPr>
-              <a:lnSpc>
-                <a:spcPct val="107000"/>
-              </a:lnSpc>
-              <a:spcAft>
-                <a:spcPts val="0"/>
-              </a:spcAft>
-              <a:tabLst>
-                <a:tab pos="581660" algn="l"/>
-                <a:tab pos="1163320" algn="l"/>
-                <a:tab pos="1744980" algn="l"/>
-                <a:tab pos="2326640" algn="l"/>
-                <a:tab pos="2908300" algn="l"/>
-                <a:tab pos="3489960" algn="l"/>
-                <a:tab pos="4071620" algn="l"/>
-                <a:tab pos="4653280" algn="l"/>
-                <a:tab pos="5234940" algn="l"/>
-                <a:tab pos="5816600" algn="l"/>
-                <a:tab pos="6398260" algn="l"/>
-                <a:tab pos="6979920" algn="l"/>
-                <a:tab pos="7561580" algn="l"/>
-                <a:tab pos="8143240" algn="l"/>
-                <a:tab pos="8724900" algn="l"/>
-                <a:tab pos="9306560" algn="l"/>
-              </a:tabLst>
-            </a:pPr>
-            <a:r>
-              <a:rPr lang="en-US" sz="4800" dirty="0">
-                <a:solidFill>
-                  <a:srgbClr val="080808"/>
-                </a:solidFill>
-                <a:latin typeface="Arial" panose="020B0604020202020204" pitchFamily="34" charset="0"/>
-                <a:ea typeface="Times New Roman" panose="02020603050405020304" pitchFamily="18" charset="0"/>
-                <a:cs typeface="Times New Roman" panose="02020603050405020304" pitchFamily="18" charset="0"/>
-              </a:rPr>
-              <a:t>D = {</a:t>
-            </a:r>
-            <a:r>
-              <a:rPr lang="en-US" sz="4800" dirty="0">
-                <a:solidFill>
-                  <a:srgbClr val="1750EB"/>
-                </a:solidFill>
-                <a:latin typeface="Arial" panose="020B0604020202020204" pitchFamily="34" charset="0"/>
-                <a:ea typeface="Times New Roman" panose="02020603050405020304" pitchFamily="18" charset="0"/>
-                <a:cs typeface="Times New Roman" panose="02020603050405020304" pitchFamily="18" charset="0"/>
-              </a:rPr>
-              <a:t>1:’1’</a:t>
-            </a:r>
-            <a:r>
-              <a:rPr lang="ru-RU" sz="4800" dirty="0">
-                <a:solidFill>
-                  <a:srgbClr val="080808"/>
-                </a:solidFill>
-                <a:latin typeface="Arial" panose="020B0604020202020204" pitchFamily="34" charset="0"/>
-                <a:ea typeface="Times New Roman" panose="02020603050405020304" pitchFamily="18" charset="0"/>
-                <a:cs typeface="Times New Roman" panose="02020603050405020304" pitchFamily="18" charset="0"/>
-              </a:rPr>
-              <a:t>, </a:t>
-            </a:r>
-            <a:r>
-              <a:rPr lang="en-US" sz="4800" dirty="0">
-                <a:solidFill>
-                  <a:srgbClr val="1750EB"/>
-                </a:solidFill>
-                <a:latin typeface="Arial" panose="020B0604020202020204" pitchFamily="34" charset="0"/>
-                <a:ea typeface="Times New Roman" panose="02020603050405020304" pitchFamily="18" charset="0"/>
-                <a:cs typeface="Times New Roman" panose="02020603050405020304" pitchFamily="18" charset="0"/>
-              </a:rPr>
-              <a:t>’2’</a:t>
-            </a:r>
-            <a:r>
-              <a:rPr lang="ru-RU" sz="4800" dirty="0">
-                <a:solidFill>
-                  <a:srgbClr val="080808"/>
-                </a:solidFill>
-                <a:latin typeface="Arial" panose="020B0604020202020204" pitchFamily="34" charset="0"/>
-                <a:ea typeface="Times New Roman" panose="02020603050405020304" pitchFamily="18" charset="0"/>
-                <a:cs typeface="Times New Roman" panose="02020603050405020304" pitchFamily="18" charset="0"/>
-              </a:rPr>
-              <a:t>,</a:t>
-            </a:r>
-            <a:r>
-              <a:rPr lang="en-US" sz="4800" dirty="0">
-                <a:solidFill>
-                  <a:srgbClr val="1750EB"/>
-                </a:solidFill>
-                <a:latin typeface="Arial" panose="020B0604020202020204" pitchFamily="34" charset="0"/>
-                <a:ea typeface="Times New Roman" panose="02020603050405020304" pitchFamily="18" charset="0"/>
-                <a:cs typeface="Times New Roman" panose="02020603050405020304" pitchFamily="18" charset="0"/>
-              </a:rPr>
-              <a:t>2}</a:t>
-            </a:r>
-            <a:endParaRPr lang="ru-RU" sz="4800" dirty="0">
-              <a:solidFill>
-                <a:srgbClr val="080808"/>
-              </a:solidFill>
-              <a:latin typeface="Arial" panose="020B0604020202020204" pitchFamily="34" charset="0"/>
-              <a:ea typeface="Times New Roman" panose="02020603050405020304" pitchFamily="18" charset="0"/>
-              <a:cs typeface="Times New Roman" panose="02020603050405020304" pitchFamily="18" charset="0"/>
-            </a:endParaRPr>
-          </a:p>
-          <a:p>
-            <a:pPr>
-              <a:lnSpc>
-                <a:spcPct val="107000"/>
-              </a:lnSpc>
-              <a:spcAft>
-                <a:spcPts val="0"/>
-              </a:spcAft>
-              <a:tabLst>
-                <a:tab pos="581660" algn="l"/>
-                <a:tab pos="1163320" algn="l"/>
-                <a:tab pos="1744980" algn="l"/>
-                <a:tab pos="2326640" algn="l"/>
-                <a:tab pos="2908300" algn="l"/>
-                <a:tab pos="3489960" algn="l"/>
-                <a:tab pos="4071620" algn="l"/>
-                <a:tab pos="4653280" algn="l"/>
-                <a:tab pos="5234940" algn="l"/>
-                <a:tab pos="5816600" algn="l"/>
-                <a:tab pos="6398260" algn="l"/>
-                <a:tab pos="6979920" algn="l"/>
-                <a:tab pos="7561580" algn="l"/>
-                <a:tab pos="8143240" algn="l"/>
-                <a:tab pos="8724900" algn="l"/>
-                <a:tab pos="9306560" algn="l"/>
-              </a:tabLst>
-            </a:pPr>
-            <a:r>
-              <a:rPr lang="ru-RU" sz="4800" dirty="0">
-                <a:solidFill>
-                  <a:srgbClr val="080808"/>
-                </a:solidFill>
-                <a:latin typeface="Arial" panose="020B0604020202020204" pitchFamily="34" charset="0"/>
-                <a:ea typeface="Times New Roman" panose="02020603050405020304" pitchFamily="18" charset="0"/>
-                <a:cs typeface="Times New Roman" panose="02020603050405020304" pitchFamily="18" charset="0"/>
-              </a:rPr>
-              <a:t>r = </a:t>
-            </a:r>
-            <a:r>
-              <a:rPr lang="ru-RU" sz="4800" dirty="0" err="1">
-                <a:solidFill>
-                  <a:srgbClr val="000080"/>
-                </a:solidFill>
-                <a:latin typeface="Arial" panose="020B0604020202020204" pitchFamily="34" charset="0"/>
-                <a:ea typeface="Times New Roman" panose="02020603050405020304" pitchFamily="18" charset="0"/>
-                <a:cs typeface="Times New Roman" panose="02020603050405020304" pitchFamily="18" charset="0"/>
-              </a:rPr>
-              <a:t>range</a:t>
-            </a:r>
-            <a:r>
-              <a:rPr lang="ru-RU" sz="4800" dirty="0">
-                <a:solidFill>
-                  <a:srgbClr val="080808"/>
-                </a:solidFill>
-                <a:latin typeface="Arial" panose="020B0604020202020204" pitchFamily="34" charset="0"/>
-                <a:ea typeface="Times New Roman" panose="02020603050405020304" pitchFamily="18" charset="0"/>
-                <a:cs typeface="Times New Roman" panose="02020603050405020304" pitchFamily="18" charset="0"/>
-              </a:rPr>
-              <a:t>(</a:t>
-            </a:r>
-            <a:r>
-              <a:rPr lang="ru-RU" sz="4800" dirty="0">
-                <a:solidFill>
-                  <a:srgbClr val="1750EB"/>
-                </a:solidFill>
-                <a:latin typeface="Arial" panose="020B0604020202020204" pitchFamily="34" charset="0"/>
-                <a:ea typeface="Times New Roman" panose="02020603050405020304" pitchFamily="18" charset="0"/>
-                <a:cs typeface="Times New Roman" panose="02020603050405020304" pitchFamily="18" charset="0"/>
-              </a:rPr>
-              <a:t>20</a:t>
-            </a:r>
-            <a:r>
-              <a:rPr lang="ru-RU" sz="4800" dirty="0">
-                <a:solidFill>
-                  <a:srgbClr val="080808"/>
-                </a:solidFill>
-                <a:latin typeface="Arial" panose="020B0604020202020204" pitchFamily="34" charset="0"/>
-                <a:ea typeface="Times New Roman" panose="02020603050405020304" pitchFamily="18" charset="0"/>
-                <a:cs typeface="Times New Roman" panose="02020603050405020304" pitchFamily="18" charset="0"/>
-              </a:rPr>
-              <a:t>)</a:t>
-            </a:r>
-            <a:endParaRPr lang="ru-RU" sz="4400" dirty="0">
-              <a:effectLst/>
-              <a:latin typeface="Calibri" panose="020F0502020204030204" pitchFamily="34" charset="0"/>
-              <a:ea typeface="Calibri" panose="020F0502020204030204" pitchFamily="34" charset="0"/>
-              <a:cs typeface="Times New Roman" panose="02020603050405020304" pitchFamily="18" charset="0"/>
-            </a:endParaRPr>
-          </a:p>
-        </p:txBody>
-      </p:sp>
-      <p:sp>
-        <p:nvSpPr>
-          <p:cNvPr id="5" name="Прямоугольник 4">
-            <a:extLst>
-              <a:ext uri="{FF2B5EF4-FFF2-40B4-BE49-F238E27FC236}">
-                <a16:creationId xmlns:a16="http://schemas.microsoft.com/office/drawing/2014/main" id="{4E830AE0-5562-4949-BECA-8288B038A2A2}"/>
-              </a:ext>
-            </a:extLst>
-          </p:cNvPr>
-          <p:cNvSpPr/>
-          <p:nvPr/>
-        </p:nvSpPr>
-        <p:spPr>
-          <a:xfrm>
-            <a:off x="674152" y="533182"/>
-            <a:ext cx="7714997" cy="830997"/>
-          </a:xfrm>
-          <a:prstGeom prst="rect">
-            <a:avLst/>
-          </a:prstGeom>
-        </p:spPr>
-        <p:txBody>
-          <a:bodyPr wrap="none">
-            <a:spAutoFit/>
-          </a:bodyPr>
-          <a:lstStyle/>
-          <a:p>
-            <a:r>
-              <a:rPr lang="ru-RU" sz="4800" b="1" dirty="0">
-                <a:solidFill>
-                  <a:srgbClr val="05386C"/>
-                </a:solidFill>
-                <a:latin typeface="Yandex Sans Text Light" panose="02000000000000000000" pitchFamily="2" charset="-52"/>
-              </a:rPr>
-              <a:t>Назовите структуры данных</a:t>
-            </a:r>
-            <a:endParaRPr lang="ru-RU" sz="4800" b="1" dirty="0">
-              <a:solidFill>
-                <a:srgbClr val="05386C"/>
-              </a:solidFill>
-            </a:endParaRPr>
-          </a:p>
-        </p:txBody>
-      </p:sp>
-      <p:sp>
-        <p:nvSpPr>
-          <p:cNvPr id="6" name="Прямоугольник 5">
-            <a:extLst>
-              <a:ext uri="{FF2B5EF4-FFF2-40B4-BE49-F238E27FC236}">
-                <a16:creationId xmlns:a16="http://schemas.microsoft.com/office/drawing/2014/main" id="{766CA1FE-1ED3-492D-858E-3AD44EA2E00E}"/>
-              </a:ext>
-            </a:extLst>
-          </p:cNvPr>
-          <p:cNvSpPr/>
-          <p:nvPr/>
-        </p:nvSpPr>
-        <p:spPr>
-          <a:xfrm>
-            <a:off x="5865669" y="5329468"/>
-            <a:ext cx="5046959" cy="830997"/>
-          </a:xfrm>
-          <a:prstGeom prst="rect">
-            <a:avLst/>
-          </a:prstGeom>
-        </p:spPr>
-        <p:txBody>
-          <a:bodyPr wrap="none">
-            <a:spAutoFit/>
-          </a:bodyPr>
-          <a:lstStyle/>
-          <a:p>
-            <a:r>
-              <a:rPr lang="ru-RU" sz="4800" b="1" dirty="0">
-                <a:solidFill>
-                  <a:srgbClr val="FF0000"/>
-                </a:solidFill>
-                <a:latin typeface="Yandex Sans Text Light" panose="02000000000000000000" pitchFamily="2" charset="-52"/>
-              </a:rPr>
-              <a:t>Что у них общего</a:t>
-            </a:r>
-            <a:r>
-              <a:rPr lang="en-US" sz="4800" b="1" dirty="0">
-                <a:solidFill>
-                  <a:srgbClr val="FF0000"/>
-                </a:solidFill>
-                <a:latin typeface="Yandex Sans Text Light" panose="02000000000000000000" pitchFamily="2" charset="-52"/>
-              </a:rPr>
-              <a:t>?</a:t>
-            </a:r>
-            <a:endParaRPr lang="ru-RU" sz="4800" b="1" dirty="0">
-              <a:solidFill>
-                <a:srgbClr val="FF0000"/>
-              </a:solidFill>
-            </a:endParaRPr>
-          </a:p>
-        </p:txBody>
-      </p:sp>
-    </p:spTree>
-    <p:extLst>
-      <p:ext uri="{BB962C8B-B14F-4D97-AF65-F5344CB8AC3E}">
-        <p14:creationId xmlns:p14="http://schemas.microsoft.com/office/powerpoint/2010/main" val="3194590479"/>
-      </p:ext>
-    </p:extLst>
-  </p:cSld>
-  <p:clrMapOvr>
-    <a:masterClrMapping/>
-  </p:clrMapOvr>
-  <p:timing>
-    <p:tnLst>
-      <p:par>
-        <p:cTn id="1" dur="indefinite" restart="never" nodeType="tmRoot">
-          <p:childTnLst>
-            <p:seq concurrent="1" nextAc="seek">
-              <p:cTn id="2" dur="indefinite" nodeType="mainSeq">
-                <p:childTnLst>
-                  <p:par>
-                    <p:cTn id="3" fill="hold">
-                      <p:stCondLst>
-                        <p:cond delay="indefinite"/>
-                      </p:stCondLst>
-                      <p:childTnLst>
-                        <p:par>
-                          <p:cTn id="4" fill="hold">
-                            <p:stCondLst>
-                              <p:cond delay="0"/>
-                            </p:stCondLst>
-                            <p:childTnLst>
-                              <p:par>
-                                <p:cTn id="5" presetID="1" presetClass="entr" presetSubtype="0" fill="hold" grpId="0" nodeType="clickEffect">
-                                  <p:stCondLst>
-                                    <p:cond delay="0"/>
-                                  </p:stCondLst>
-                                  <p:childTnLst>
-                                    <p:set>
-                                      <p:cBhvr>
-                                        <p:cTn id="6" dur="1" fill="hold">
-                                          <p:stCondLst>
-                                            <p:cond delay="0"/>
-                                          </p:stCondLst>
-                                        </p:cTn>
-                                        <p:tgtEl>
-                                          <p:spTgt spid="6"/>
-                                        </p:tgtEl>
-                                        <p:attrNameLst>
-                                          <p:attrName>style.visibility</p:attrName>
-                                        </p:attrNameLst>
-                                      </p:cBhvr>
-                                      <p:to>
-                                        <p:strVal val="visible"/>
-                                      </p:to>
-                                    </p:set>
-                                  </p:childTnLst>
-                                </p:cTn>
-                              </p:par>
-                            </p:childTnLst>
-                          </p:cTn>
-                        </p:par>
-                      </p:childTnLst>
-                    </p:cTn>
-                  </p:par>
-                </p:childTnLst>
-              </p:cTn>
-              <p:prevCondLst>
-                <p:cond evt="onPrev" delay="0">
-                  <p:tgtEl>
-                    <p:sldTgt/>
-                  </p:tgtEl>
-                </p:cond>
-              </p:prevCondLst>
-              <p:nextCondLst>
-                <p:cond evt="onNext" delay="0">
-                  <p:tgtEl>
-                    <p:sldTgt/>
-                  </p:tgtEl>
-                </p:cond>
-              </p:nextCondLst>
-            </p:seq>
-          </p:childTnLst>
-        </p:cTn>
-      </p:par>
-    </p:tnLst>
-    <p:bldLst>
-      <p:bldP spid="6" grpId="0"/>
-    </p:bldLst>
-  </p:timing>
-</p:sld>
-</file>
-
-<file path=ppt/slides/slide5.xml><?xml version="1.0" encoding="utf-8"?>
+<file path=ppt/slides/slide11.xml><?xml version="1.0" encoding="utf-8"?>
 <p:sld xmlns:a="http://schemas.openxmlformats.org/drawingml/2006/main" xmlns:r="http://schemas.openxmlformats.org/officeDocument/2006/relationships" xmlns:p="http://schemas.openxmlformats.org/presentationml/2006/main">
   <p:cSld>
     <p:spTree>
@@ -28453,7 +27449,2434 @@
 </p:sld>
 </file>
 
+<file path=ppt/slides/slide12.xml><?xml version="1.0" encoding="utf-8"?>
+<p:sld xmlns:a="http://schemas.openxmlformats.org/drawingml/2006/main" xmlns:r="http://schemas.openxmlformats.org/officeDocument/2006/relationships" xmlns:p="http://schemas.openxmlformats.org/presentationml/2006/main">
+  <p:cSld>
+    <p:spTree>
+      <p:nvGrpSpPr>
+        <p:cNvPr id="1" name="Shape 347"/>
+        <p:cNvGrpSpPr/>
+        <p:nvPr/>
+      </p:nvGrpSpPr>
+      <p:grpSpPr>
+        <a:xfrm>
+          <a:off x="0" y="0"/>
+          <a:ext cx="0" cy="0"/>
+          <a:chOff x="0" y="0"/>
+          <a:chExt cx="0" cy="0"/>
+        </a:xfrm>
+      </p:grpSpPr>
+      <p:sp>
+        <p:nvSpPr>
+          <p:cNvPr id="348" name="Google Shape;348;p38"/>
+          <p:cNvSpPr txBox="1">
+            <a:spLocks noGrp="1"/>
+          </p:cNvSpPr>
+          <p:nvPr>
+            <p:ph type="title"/>
+          </p:nvPr>
+        </p:nvSpPr>
+        <p:spPr>
+          <a:xfrm>
+            <a:off x="763600" y="2224563"/>
+            <a:ext cx="10515600" cy="2852700"/>
+          </a:xfrm>
+          <a:prstGeom prst="rect">
+            <a:avLst/>
+          </a:prstGeom>
+          <a:noFill/>
+          <a:ln>
+            <a:noFill/>
+          </a:ln>
+        </p:spPr>
+        <p:txBody>
+          <a:bodyPr spcFirstLastPara="1" wrap="square" lIns="91425" tIns="45700" rIns="91425" bIns="45700" anchor="b" anchorCtr="0">
+            <a:normAutofit/>
+          </a:bodyPr>
+          <a:lstStyle/>
+          <a:p>
+            <a:pPr marL="0" lvl="0" indent="0" algn="l" rtl="0">
+              <a:lnSpc>
+                <a:spcPct val="90000"/>
+              </a:lnSpc>
+              <a:spcBef>
+                <a:spcPts val="0"/>
+              </a:spcBef>
+              <a:spcAft>
+                <a:spcPts val="0"/>
+              </a:spcAft>
+              <a:buClr>
+                <a:schemeClr val="lt1"/>
+              </a:buClr>
+              <a:buSzPts val="6000"/>
+              <a:buFont typeface="Calibri"/>
+              <a:buNone/>
+            </a:pPr>
+            <a:r>
+              <a:rPr lang="en-US"/>
+              <a:t>Спасибо за внимание!</a:t>
+            </a:r>
+            <a:endParaRPr/>
+          </a:p>
+        </p:txBody>
+      </p:sp>
+      <p:sp>
+        <p:nvSpPr>
+          <p:cNvPr id="349" name="Google Shape;349;p38"/>
+          <p:cNvSpPr txBox="1">
+            <a:spLocks noGrp="1"/>
+          </p:cNvSpPr>
+          <p:nvPr>
+            <p:ph type="sldNum" idx="12"/>
+          </p:nvPr>
+        </p:nvSpPr>
+        <p:spPr>
+          <a:xfrm>
+            <a:off x="8610600" y="6356350"/>
+            <a:ext cx="2743200" cy="365125"/>
+          </a:xfrm>
+          <a:prstGeom prst="rect">
+            <a:avLst/>
+          </a:prstGeom>
+          <a:noFill/>
+          <a:ln>
+            <a:noFill/>
+          </a:ln>
+        </p:spPr>
+        <p:txBody>
+          <a:bodyPr spcFirstLastPara="1" wrap="square" lIns="91425" tIns="45700" rIns="91425" bIns="45700" anchor="ctr" anchorCtr="0">
+            <a:noAutofit/>
+          </a:bodyPr>
+          <a:lstStyle/>
+          <a:p>
+            <a:pPr marL="0" lvl="0" indent="0" algn="r" rtl="0">
+              <a:spcBef>
+                <a:spcPts val="0"/>
+              </a:spcBef>
+              <a:spcAft>
+                <a:spcPts val="0"/>
+              </a:spcAft>
+              <a:buNone/>
+            </a:pPr>
+            <a:fld id="{00000000-1234-1234-1234-123412341234}" type="slidenum">
+              <a:rPr lang="en-US"/>
+              <a:t>12</a:t>
+            </a:fld>
+            <a:endParaRPr/>
+          </a:p>
+        </p:txBody>
+      </p:sp>
+    </p:spTree>
+  </p:cSld>
+  <p:clrMapOvr>
+    <a:masterClrMapping/>
+  </p:clrMapOvr>
+</p:sld>
+</file>
+
+<file path=ppt/slides/slide2.xml><?xml version="1.0" encoding="utf-8"?>
+<p:sld xmlns:a="http://schemas.openxmlformats.org/drawingml/2006/main" xmlns:r="http://schemas.openxmlformats.org/officeDocument/2006/relationships" xmlns:p="http://schemas.openxmlformats.org/presentationml/2006/main">
+  <p:cSld>
+    <p:spTree>
+      <p:nvGrpSpPr>
+        <p:cNvPr id="1" name=""/>
+        <p:cNvGrpSpPr/>
+        <p:nvPr/>
+      </p:nvGrpSpPr>
+      <p:grpSpPr>
+        <a:xfrm>
+          <a:off x="0" y="0"/>
+          <a:ext cx="0" cy="0"/>
+          <a:chOff x="0" y="0"/>
+          <a:chExt cx="0" cy="0"/>
+        </a:xfrm>
+      </p:grpSpPr>
+      <p:sp>
+        <p:nvSpPr>
+          <p:cNvPr id="4" name="Прямоугольник 3">
+            <a:extLst>
+              <a:ext uri="{FF2B5EF4-FFF2-40B4-BE49-F238E27FC236}">
+                <a16:creationId xmlns:a16="http://schemas.microsoft.com/office/drawing/2014/main" id="{49A87C9B-1F1D-4AED-BA66-14F25C4F766E}"/>
+              </a:ext>
+            </a:extLst>
+          </p:cNvPr>
+          <p:cNvSpPr/>
+          <p:nvPr/>
+        </p:nvSpPr>
+        <p:spPr>
+          <a:xfrm>
+            <a:off x="767232" y="1455134"/>
+            <a:ext cx="9273396" cy="4794518"/>
+          </a:xfrm>
+          <a:prstGeom prst="rect">
+            <a:avLst/>
+          </a:prstGeom>
+        </p:spPr>
+        <p:txBody>
+          <a:bodyPr wrap="square">
+            <a:spAutoFit/>
+          </a:bodyPr>
+          <a:lstStyle/>
+          <a:p>
+            <a:pPr>
+              <a:lnSpc>
+                <a:spcPct val="107000"/>
+              </a:lnSpc>
+              <a:spcAft>
+                <a:spcPts val="0"/>
+              </a:spcAft>
+              <a:tabLst>
+                <a:tab pos="581660" algn="l"/>
+                <a:tab pos="1163320" algn="l"/>
+                <a:tab pos="1744980" algn="l"/>
+                <a:tab pos="2326640" algn="l"/>
+                <a:tab pos="2908300" algn="l"/>
+                <a:tab pos="3489960" algn="l"/>
+                <a:tab pos="4071620" algn="l"/>
+                <a:tab pos="4653280" algn="l"/>
+                <a:tab pos="5234940" algn="l"/>
+                <a:tab pos="5816600" algn="l"/>
+                <a:tab pos="6398260" algn="l"/>
+                <a:tab pos="6979920" algn="l"/>
+                <a:tab pos="7561580" algn="l"/>
+                <a:tab pos="8143240" algn="l"/>
+                <a:tab pos="8724900" algn="l"/>
+                <a:tab pos="9306560" algn="l"/>
+              </a:tabLst>
+            </a:pPr>
+            <a:r>
+              <a:rPr lang="ru-RU" sz="4800" dirty="0">
+                <a:solidFill>
+                  <a:srgbClr val="080808"/>
+                </a:solidFill>
+                <a:latin typeface="Arial" panose="020B0604020202020204" pitchFamily="34" charset="0"/>
+                <a:ea typeface="Times New Roman" panose="02020603050405020304" pitchFamily="18" charset="0"/>
+                <a:cs typeface="Times New Roman" panose="02020603050405020304" pitchFamily="18" charset="0"/>
+              </a:rPr>
+              <a:t>s = </a:t>
+            </a:r>
+            <a:r>
+              <a:rPr lang="ru-RU" sz="4800" dirty="0">
+                <a:solidFill>
+                  <a:srgbClr val="067D17"/>
+                </a:solidFill>
+                <a:latin typeface="Arial" panose="020B0604020202020204" pitchFamily="34" charset="0"/>
+                <a:ea typeface="Times New Roman" panose="02020603050405020304" pitchFamily="18" charset="0"/>
+                <a:cs typeface="Times New Roman" panose="02020603050405020304" pitchFamily="18" charset="0"/>
+              </a:rPr>
+              <a:t>'</a:t>
+            </a:r>
+            <a:r>
+              <a:rPr lang="ru-RU" sz="4800" dirty="0" err="1">
+                <a:solidFill>
+                  <a:srgbClr val="067D17"/>
+                </a:solidFill>
+                <a:latin typeface="Arial" panose="020B0604020202020204" pitchFamily="34" charset="0"/>
+                <a:ea typeface="Times New Roman" panose="02020603050405020304" pitchFamily="18" charset="0"/>
+                <a:cs typeface="Times New Roman" panose="02020603050405020304" pitchFamily="18" charset="0"/>
+              </a:rPr>
+              <a:t>Python</a:t>
+            </a:r>
+            <a:r>
+              <a:rPr lang="ru-RU" sz="4800" dirty="0">
+                <a:solidFill>
+                  <a:srgbClr val="067D17"/>
+                </a:solidFill>
+                <a:latin typeface="Arial" panose="020B0604020202020204" pitchFamily="34" charset="0"/>
+                <a:ea typeface="Times New Roman" panose="02020603050405020304" pitchFamily="18" charset="0"/>
+                <a:cs typeface="Times New Roman" panose="02020603050405020304" pitchFamily="18" charset="0"/>
+              </a:rPr>
+              <a:t>’  </a:t>
+            </a:r>
+          </a:p>
+          <a:p>
+            <a:pPr>
+              <a:lnSpc>
+                <a:spcPct val="107000"/>
+              </a:lnSpc>
+              <a:spcAft>
+                <a:spcPts val="0"/>
+              </a:spcAft>
+              <a:tabLst>
+                <a:tab pos="581660" algn="l"/>
+                <a:tab pos="1163320" algn="l"/>
+                <a:tab pos="1744980" algn="l"/>
+                <a:tab pos="2326640" algn="l"/>
+                <a:tab pos="2908300" algn="l"/>
+                <a:tab pos="3489960" algn="l"/>
+                <a:tab pos="4071620" algn="l"/>
+                <a:tab pos="4653280" algn="l"/>
+                <a:tab pos="5234940" algn="l"/>
+                <a:tab pos="5816600" algn="l"/>
+                <a:tab pos="6398260" algn="l"/>
+                <a:tab pos="6979920" algn="l"/>
+                <a:tab pos="7561580" algn="l"/>
+                <a:tab pos="8143240" algn="l"/>
+                <a:tab pos="8724900" algn="l"/>
+                <a:tab pos="9306560" algn="l"/>
+              </a:tabLst>
+            </a:pPr>
+            <a:r>
+              <a:rPr lang="ru-RU" sz="4800" dirty="0">
+                <a:solidFill>
+                  <a:srgbClr val="080808"/>
+                </a:solidFill>
+                <a:latin typeface="Arial" panose="020B0604020202020204" pitchFamily="34" charset="0"/>
+                <a:ea typeface="Times New Roman" panose="02020603050405020304" pitchFamily="18" charset="0"/>
+                <a:cs typeface="Times New Roman" panose="02020603050405020304" pitchFamily="18" charset="0"/>
+              </a:rPr>
+              <a:t>l = [</a:t>
+            </a:r>
+            <a:r>
+              <a:rPr lang="ru-RU" sz="4800" dirty="0">
+                <a:solidFill>
+                  <a:srgbClr val="1750EB"/>
+                </a:solidFill>
+                <a:latin typeface="Arial" panose="020B0604020202020204" pitchFamily="34" charset="0"/>
+                <a:ea typeface="Times New Roman" panose="02020603050405020304" pitchFamily="18" charset="0"/>
+                <a:cs typeface="Times New Roman" panose="02020603050405020304" pitchFamily="18" charset="0"/>
+              </a:rPr>
+              <a:t>3</a:t>
+            </a:r>
+            <a:r>
+              <a:rPr lang="ru-RU" sz="4800" dirty="0">
+                <a:solidFill>
+                  <a:srgbClr val="080808"/>
+                </a:solidFill>
+                <a:latin typeface="Arial" panose="020B0604020202020204" pitchFamily="34" charset="0"/>
+                <a:ea typeface="Times New Roman" panose="02020603050405020304" pitchFamily="18" charset="0"/>
+                <a:cs typeface="Times New Roman" panose="02020603050405020304" pitchFamily="18" charset="0"/>
+              </a:rPr>
+              <a:t>, </a:t>
+            </a:r>
+            <a:r>
+              <a:rPr lang="ru-RU" sz="4800" dirty="0">
+                <a:solidFill>
+                  <a:srgbClr val="1750EB"/>
+                </a:solidFill>
+                <a:latin typeface="Arial" panose="020B0604020202020204" pitchFamily="34" charset="0"/>
+                <a:ea typeface="Times New Roman" panose="02020603050405020304" pitchFamily="18" charset="0"/>
+                <a:cs typeface="Times New Roman" panose="02020603050405020304" pitchFamily="18" charset="0"/>
+              </a:rPr>
+              <a:t>7</a:t>
+            </a:r>
+            <a:r>
+              <a:rPr lang="ru-RU" sz="4800" dirty="0">
+                <a:solidFill>
+                  <a:srgbClr val="080808"/>
+                </a:solidFill>
+                <a:latin typeface="Arial" panose="020B0604020202020204" pitchFamily="34" charset="0"/>
+                <a:ea typeface="Times New Roman" panose="02020603050405020304" pitchFamily="18" charset="0"/>
+                <a:cs typeface="Times New Roman" panose="02020603050405020304" pitchFamily="18" charset="0"/>
+              </a:rPr>
+              <a:t>, </a:t>
+            </a:r>
+            <a:r>
+              <a:rPr lang="ru-RU" sz="4800" dirty="0">
+                <a:solidFill>
+                  <a:srgbClr val="1750EB"/>
+                </a:solidFill>
+                <a:latin typeface="Arial" panose="020B0604020202020204" pitchFamily="34" charset="0"/>
+                <a:ea typeface="Times New Roman" panose="02020603050405020304" pitchFamily="18" charset="0"/>
+                <a:cs typeface="Times New Roman" panose="02020603050405020304" pitchFamily="18" charset="0"/>
+              </a:rPr>
+              <a:t>5.5</a:t>
+            </a:r>
+            <a:r>
+              <a:rPr lang="ru-RU" sz="4800" dirty="0">
+                <a:solidFill>
+                  <a:srgbClr val="080808"/>
+                </a:solidFill>
+                <a:latin typeface="Arial" panose="020B0604020202020204" pitchFamily="34" charset="0"/>
+                <a:ea typeface="Times New Roman" panose="02020603050405020304" pitchFamily="18" charset="0"/>
+                <a:cs typeface="Times New Roman" panose="02020603050405020304" pitchFamily="18" charset="0"/>
+              </a:rPr>
+              <a:t>, </a:t>
+            </a:r>
+            <a:r>
+              <a:rPr lang="ru-RU" sz="4800" dirty="0">
+                <a:solidFill>
+                  <a:srgbClr val="067D17"/>
+                </a:solidFill>
+                <a:latin typeface="Arial" panose="020B0604020202020204" pitchFamily="34" charset="0"/>
+                <a:ea typeface="Times New Roman" panose="02020603050405020304" pitchFamily="18" charset="0"/>
+                <a:cs typeface="Times New Roman" panose="02020603050405020304" pitchFamily="18" charset="0"/>
+              </a:rPr>
+              <a:t>'</a:t>
+            </a:r>
+            <a:r>
+              <a:rPr lang="ru-RU" sz="4800" dirty="0" err="1">
+                <a:solidFill>
+                  <a:srgbClr val="067D17"/>
+                </a:solidFill>
+                <a:latin typeface="Arial" panose="020B0604020202020204" pitchFamily="34" charset="0"/>
+                <a:ea typeface="Times New Roman" panose="02020603050405020304" pitchFamily="18" charset="0"/>
+                <a:cs typeface="Times New Roman" panose="02020603050405020304" pitchFamily="18" charset="0"/>
+              </a:rPr>
+              <a:t>Python</a:t>
+            </a:r>
+            <a:r>
+              <a:rPr lang="ru-RU" sz="4800" dirty="0">
+                <a:solidFill>
+                  <a:srgbClr val="067D17"/>
+                </a:solidFill>
+                <a:latin typeface="Arial" panose="020B0604020202020204" pitchFamily="34" charset="0"/>
+                <a:ea typeface="Times New Roman" panose="02020603050405020304" pitchFamily="18" charset="0"/>
+                <a:cs typeface="Times New Roman" panose="02020603050405020304" pitchFamily="18" charset="0"/>
+              </a:rPr>
+              <a:t>'</a:t>
+            </a:r>
+            <a:r>
+              <a:rPr lang="ru-RU" sz="4800" dirty="0">
+                <a:solidFill>
+                  <a:srgbClr val="080808"/>
+                </a:solidFill>
+                <a:latin typeface="Arial" panose="020B0604020202020204" pitchFamily="34" charset="0"/>
+                <a:ea typeface="Times New Roman" panose="02020603050405020304" pitchFamily="18" charset="0"/>
+                <a:cs typeface="Times New Roman" panose="02020603050405020304" pitchFamily="18" charset="0"/>
+              </a:rPr>
+              <a:t>, </a:t>
+            </a:r>
+            <a:r>
+              <a:rPr lang="ru-RU" sz="4800" dirty="0" err="1">
+                <a:solidFill>
+                  <a:srgbClr val="0033B3"/>
+                </a:solidFill>
+                <a:latin typeface="Arial" panose="020B0604020202020204" pitchFamily="34" charset="0"/>
+                <a:ea typeface="Times New Roman" panose="02020603050405020304" pitchFamily="18" charset="0"/>
+                <a:cs typeface="Times New Roman" panose="02020603050405020304" pitchFamily="18" charset="0"/>
+              </a:rPr>
+              <a:t>True</a:t>
+            </a:r>
+            <a:r>
+              <a:rPr lang="ru-RU" sz="4800" dirty="0">
+                <a:solidFill>
+                  <a:srgbClr val="080808"/>
+                </a:solidFill>
+                <a:latin typeface="Arial" panose="020B0604020202020204" pitchFamily="34" charset="0"/>
+                <a:ea typeface="Times New Roman" panose="02020603050405020304" pitchFamily="18" charset="0"/>
+                <a:cs typeface="Times New Roman" panose="02020603050405020304" pitchFamily="18" charset="0"/>
+              </a:rPr>
+              <a:t>] </a:t>
+            </a:r>
+          </a:p>
+          <a:p>
+            <a:pPr>
+              <a:lnSpc>
+                <a:spcPct val="107000"/>
+              </a:lnSpc>
+              <a:spcAft>
+                <a:spcPts val="0"/>
+              </a:spcAft>
+              <a:tabLst>
+                <a:tab pos="581660" algn="l"/>
+                <a:tab pos="1163320" algn="l"/>
+                <a:tab pos="1744980" algn="l"/>
+                <a:tab pos="2326640" algn="l"/>
+                <a:tab pos="2908300" algn="l"/>
+                <a:tab pos="3489960" algn="l"/>
+                <a:tab pos="4071620" algn="l"/>
+                <a:tab pos="4653280" algn="l"/>
+                <a:tab pos="5234940" algn="l"/>
+                <a:tab pos="5816600" algn="l"/>
+                <a:tab pos="6398260" algn="l"/>
+                <a:tab pos="6979920" algn="l"/>
+                <a:tab pos="7561580" algn="l"/>
+                <a:tab pos="8143240" algn="l"/>
+                <a:tab pos="8724900" algn="l"/>
+                <a:tab pos="9306560" algn="l"/>
+              </a:tabLst>
+            </a:pPr>
+            <a:r>
+              <a:rPr lang="ru-RU" sz="4800" dirty="0">
+                <a:solidFill>
+                  <a:srgbClr val="080808"/>
+                </a:solidFill>
+                <a:latin typeface="Arial" panose="020B0604020202020204" pitchFamily="34" charset="0"/>
+                <a:ea typeface="Times New Roman" panose="02020603050405020304" pitchFamily="18" charset="0"/>
+                <a:cs typeface="Times New Roman" panose="02020603050405020304" pitchFamily="18" charset="0"/>
+              </a:rPr>
+              <a:t>t = (</a:t>
+            </a:r>
+            <a:r>
+              <a:rPr lang="ru-RU" sz="4800" dirty="0">
+                <a:solidFill>
+                  <a:srgbClr val="1750EB"/>
+                </a:solidFill>
+                <a:latin typeface="Arial" panose="020B0604020202020204" pitchFamily="34" charset="0"/>
+                <a:ea typeface="Times New Roman" panose="02020603050405020304" pitchFamily="18" charset="0"/>
+                <a:cs typeface="Times New Roman" panose="02020603050405020304" pitchFamily="18" charset="0"/>
+              </a:rPr>
+              <a:t>3</a:t>
+            </a:r>
+            <a:r>
+              <a:rPr lang="ru-RU" sz="4800" dirty="0">
+                <a:solidFill>
+                  <a:srgbClr val="080808"/>
+                </a:solidFill>
+                <a:latin typeface="Arial" panose="020B0604020202020204" pitchFamily="34" charset="0"/>
+                <a:ea typeface="Times New Roman" panose="02020603050405020304" pitchFamily="18" charset="0"/>
+                <a:cs typeface="Times New Roman" panose="02020603050405020304" pitchFamily="18" charset="0"/>
+              </a:rPr>
+              <a:t>, </a:t>
+            </a:r>
+            <a:r>
+              <a:rPr lang="ru-RU" sz="4800" dirty="0">
+                <a:solidFill>
+                  <a:srgbClr val="1750EB"/>
+                </a:solidFill>
+                <a:latin typeface="Arial" panose="020B0604020202020204" pitchFamily="34" charset="0"/>
+                <a:ea typeface="Times New Roman" panose="02020603050405020304" pitchFamily="18" charset="0"/>
+                <a:cs typeface="Times New Roman" panose="02020603050405020304" pitchFamily="18" charset="0"/>
+              </a:rPr>
+              <a:t>7</a:t>
+            </a:r>
+            <a:r>
+              <a:rPr lang="ru-RU" sz="4800" dirty="0">
+                <a:solidFill>
+                  <a:srgbClr val="080808"/>
+                </a:solidFill>
+                <a:latin typeface="Arial" panose="020B0604020202020204" pitchFamily="34" charset="0"/>
+                <a:ea typeface="Times New Roman" panose="02020603050405020304" pitchFamily="18" charset="0"/>
+                <a:cs typeface="Times New Roman" panose="02020603050405020304" pitchFamily="18" charset="0"/>
+              </a:rPr>
+              <a:t>, </a:t>
+            </a:r>
+            <a:r>
+              <a:rPr lang="ru-RU" sz="4800" dirty="0">
+                <a:solidFill>
+                  <a:srgbClr val="1750EB"/>
+                </a:solidFill>
+                <a:latin typeface="Arial" panose="020B0604020202020204" pitchFamily="34" charset="0"/>
+                <a:ea typeface="Times New Roman" panose="02020603050405020304" pitchFamily="18" charset="0"/>
+                <a:cs typeface="Times New Roman" panose="02020603050405020304" pitchFamily="18" charset="0"/>
+              </a:rPr>
+              <a:t>5.5</a:t>
+            </a:r>
+            <a:r>
+              <a:rPr lang="ru-RU" sz="4800" dirty="0">
+                <a:solidFill>
+                  <a:srgbClr val="080808"/>
+                </a:solidFill>
+                <a:latin typeface="Arial" panose="020B0604020202020204" pitchFamily="34" charset="0"/>
+                <a:ea typeface="Times New Roman" panose="02020603050405020304" pitchFamily="18" charset="0"/>
+                <a:cs typeface="Times New Roman" panose="02020603050405020304" pitchFamily="18" charset="0"/>
+              </a:rPr>
+              <a:t>, </a:t>
+            </a:r>
+            <a:r>
+              <a:rPr lang="ru-RU" sz="4800" dirty="0">
+                <a:solidFill>
+                  <a:srgbClr val="067D17"/>
+                </a:solidFill>
+                <a:latin typeface="Arial" panose="020B0604020202020204" pitchFamily="34" charset="0"/>
+                <a:ea typeface="Times New Roman" panose="02020603050405020304" pitchFamily="18" charset="0"/>
+                <a:cs typeface="Times New Roman" panose="02020603050405020304" pitchFamily="18" charset="0"/>
+              </a:rPr>
+              <a:t>'</a:t>
+            </a:r>
+            <a:r>
+              <a:rPr lang="ru-RU" sz="4800" dirty="0" err="1">
+                <a:solidFill>
+                  <a:srgbClr val="067D17"/>
+                </a:solidFill>
+                <a:latin typeface="Arial" panose="020B0604020202020204" pitchFamily="34" charset="0"/>
+                <a:ea typeface="Times New Roman" panose="02020603050405020304" pitchFamily="18" charset="0"/>
+                <a:cs typeface="Times New Roman" panose="02020603050405020304" pitchFamily="18" charset="0"/>
+              </a:rPr>
+              <a:t>Python</a:t>
+            </a:r>
+            <a:r>
+              <a:rPr lang="ru-RU" sz="4800" dirty="0">
+                <a:solidFill>
+                  <a:srgbClr val="067D17"/>
+                </a:solidFill>
+                <a:latin typeface="Arial" panose="020B0604020202020204" pitchFamily="34" charset="0"/>
+                <a:ea typeface="Times New Roman" panose="02020603050405020304" pitchFamily="18" charset="0"/>
+                <a:cs typeface="Times New Roman" panose="02020603050405020304" pitchFamily="18" charset="0"/>
+              </a:rPr>
+              <a:t>'</a:t>
+            </a:r>
+            <a:r>
+              <a:rPr lang="ru-RU" sz="4800" dirty="0">
+                <a:solidFill>
+                  <a:srgbClr val="080808"/>
+                </a:solidFill>
+                <a:latin typeface="Arial" panose="020B0604020202020204" pitchFamily="34" charset="0"/>
+                <a:ea typeface="Times New Roman" panose="02020603050405020304" pitchFamily="18" charset="0"/>
+                <a:cs typeface="Times New Roman" panose="02020603050405020304" pitchFamily="18" charset="0"/>
+              </a:rPr>
+              <a:t>, </a:t>
+            </a:r>
+            <a:r>
+              <a:rPr lang="ru-RU" sz="4800" dirty="0" err="1">
+                <a:solidFill>
+                  <a:srgbClr val="0033B3"/>
+                </a:solidFill>
+                <a:latin typeface="Arial" panose="020B0604020202020204" pitchFamily="34" charset="0"/>
+                <a:ea typeface="Times New Roman" panose="02020603050405020304" pitchFamily="18" charset="0"/>
+                <a:cs typeface="Times New Roman" panose="02020603050405020304" pitchFamily="18" charset="0"/>
+              </a:rPr>
+              <a:t>True</a:t>
+            </a:r>
+            <a:r>
+              <a:rPr lang="ru-RU" sz="4800" dirty="0">
+                <a:solidFill>
+                  <a:srgbClr val="080808"/>
+                </a:solidFill>
+                <a:latin typeface="Arial" panose="020B0604020202020204" pitchFamily="34" charset="0"/>
+                <a:ea typeface="Times New Roman" panose="02020603050405020304" pitchFamily="18" charset="0"/>
+                <a:cs typeface="Times New Roman" panose="02020603050405020304" pitchFamily="18" charset="0"/>
+              </a:rPr>
+              <a:t>)</a:t>
+            </a:r>
+          </a:p>
+          <a:p>
+            <a:pPr>
+              <a:lnSpc>
+                <a:spcPct val="107000"/>
+              </a:lnSpc>
+              <a:spcAft>
+                <a:spcPts val="0"/>
+              </a:spcAft>
+              <a:tabLst>
+                <a:tab pos="581660" algn="l"/>
+                <a:tab pos="1163320" algn="l"/>
+                <a:tab pos="1744980" algn="l"/>
+                <a:tab pos="2326640" algn="l"/>
+                <a:tab pos="2908300" algn="l"/>
+                <a:tab pos="3489960" algn="l"/>
+                <a:tab pos="4071620" algn="l"/>
+                <a:tab pos="4653280" algn="l"/>
+                <a:tab pos="5234940" algn="l"/>
+                <a:tab pos="5816600" algn="l"/>
+                <a:tab pos="6398260" algn="l"/>
+                <a:tab pos="6979920" algn="l"/>
+                <a:tab pos="7561580" algn="l"/>
+                <a:tab pos="8143240" algn="l"/>
+                <a:tab pos="8724900" algn="l"/>
+                <a:tab pos="9306560" algn="l"/>
+              </a:tabLst>
+            </a:pPr>
+            <a:r>
+              <a:rPr lang="en-US" sz="4800" dirty="0">
+                <a:solidFill>
+                  <a:srgbClr val="080808"/>
+                </a:solidFill>
+                <a:latin typeface="Arial" panose="020B0604020202020204" pitchFamily="34" charset="0"/>
+                <a:ea typeface="Times New Roman" panose="02020603050405020304" pitchFamily="18" charset="0"/>
+                <a:cs typeface="Times New Roman" panose="02020603050405020304" pitchFamily="18" charset="0"/>
+              </a:rPr>
+              <a:t>d = {</a:t>
+            </a:r>
+            <a:r>
+              <a:rPr lang="en-US" sz="4800" dirty="0">
+                <a:solidFill>
+                  <a:srgbClr val="1750EB"/>
+                </a:solidFill>
+                <a:latin typeface="Arial" panose="020B0604020202020204" pitchFamily="34" charset="0"/>
+                <a:ea typeface="Times New Roman" panose="02020603050405020304" pitchFamily="18" charset="0"/>
+                <a:cs typeface="Times New Roman" panose="02020603050405020304" pitchFamily="18" charset="0"/>
+              </a:rPr>
+              <a:t>1:’1’</a:t>
+            </a:r>
+            <a:r>
+              <a:rPr lang="ru-RU" sz="4800" dirty="0">
+                <a:solidFill>
+                  <a:srgbClr val="080808"/>
+                </a:solidFill>
+                <a:latin typeface="Arial" panose="020B0604020202020204" pitchFamily="34" charset="0"/>
+                <a:ea typeface="Times New Roman" panose="02020603050405020304" pitchFamily="18" charset="0"/>
+                <a:cs typeface="Times New Roman" panose="02020603050405020304" pitchFamily="18" charset="0"/>
+              </a:rPr>
+              <a:t>, </a:t>
+            </a:r>
+            <a:r>
+              <a:rPr lang="en-US" sz="4800" dirty="0">
+                <a:solidFill>
+                  <a:srgbClr val="1750EB"/>
+                </a:solidFill>
+                <a:latin typeface="Arial" panose="020B0604020202020204" pitchFamily="34" charset="0"/>
+                <a:ea typeface="Times New Roman" panose="02020603050405020304" pitchFamily="18" charset="0"/>
+                <a:cs typeface="Times New Roman" panose="02020603050405020304" pitchFamily="18" charset="0"/>
+              </a:rPr>
+              <a:t>’2’</a:t>
+            </a:r>
+            <a:r>
+              <a:rPr lang="ru-RU" sz="4800" dirty="0">
+                <a:solidFill>
+                  <a:srgbClr val="080808"/>
+                </a:solidFill>
+                <a:latin typeface="Arial" panose="020B0604020202020204" pitchFamily="34" charset="0"/>
+                <a:ea typeface="Times New Roman" panose="02020603050405020304" pitchFamily="18" charset="0"/>
+                <a:cs typeface="Times New Roman" panose="02020603050405020304" pitchFamily="18" charset="0"/>
+              </a:rPr>
+              <a:t>,</a:t>
+            </a:r>
+            <a:r>
+              <a:rPr lang="en-US" sz="4800" dirty="0">
+                <a:solidFill>
+                  <a:srgbClr val="1750EB"/>
+                </a:solidFill>
+                <a:latin typeface="Arial" panose="020B0604020202020204" pitchFamily="34" charset="0"/>
+                <a:ea typeface="Times New Roman" panose="02020603050405020304" pitchFamily="18" charset="0"/>
+                <a:cs typeface="Times New Roman" panose="02020603050405020304" pitchFamily="18" charset="0"/>
+              </a:rPr>
+              <a:t>2}</a:t>
+            </a:r>
+          </a:p>
+          <a:p>
+            <a:pPr>
+              <a:lnSpc>
+                <a:spcPct val="107000"/>
+              </a:lnSpc>
+              <a:tabLst>
+                <a:tab pos="581660" algn="l"/>
+                <a:tab pos="1163320" algn="l"/>
+                <a:tab pos="1744980" algn="l"/>
+                <a:tab pos="2326640" algn="l"/>
+                <a:tab pos="2908300" algn="l"/>
+                <a:tab pos="3489960" algn="l"/>
+                <a:tab pos="4071620" algn="l"/>
+                <a:tab pos="4653280" algn="l"/>
+                <a:tab pos="5234940" algn="l"/>
+                <a:tab pos="5816600" algn="l"/>
+                <a:tab pos="6398260" algn="l"/>
+                <a:tab pos="6979920" algn="l"/>
+                <a:tab pos="7561580" algn="l"/>
+                <a:tab pos="8143240" algn="l"/>
+                <a:tab pos="8724900" algn="l"/>
+                <a:tab pos="9306560" algn="l"/>
+              </a:tabLst>
+            </a:pPr>
+            <a:r>
+              <a:rPr lang="en-US" sz="4800" dirty="0">
+                <a:solidFill>
+                  <a:srgbClr val="080808"/>
+                </a:solidFill>
+                <a:latin typeface="Arial" panose="020B0604020202020204" pitchFamily="34" charset="0"/>
+                <a:ea typeface="Times New Roman" panose="02020603050405020304" pitchFamily="18" charset="0"/>
+                <a:cs typeface="Times New Roman" panose="02020603050405020304" pitchFamily="18" charset="0"/>
+              </a:rPr>
+              <a:t>m = {</a:t>
+            </a:r>
+            <a:r>
+              <a:rPr lang="en-US" sz="4800" dirty="0">
+                <a:solidFill>
+                  <a:srgbClr val="1750EB"/>
+                </a:solidFill>
+                <a:latin typeface="Arial" panose="020B0604020202020204" pitchFamily="34" charset="0"/>
+                <a:ea typeface="Times New Roman" panose="02020603050405020304" pitchFamily="18" charset="0"/>
+                <a:cs typeface="Times New Roman" panose="02020603050405020304" pitchFamily="18" charset="0"/>
+              </a:rPr>
+              <a:t>1</a:t>
+            </a:r>
+            <a:r>
+              <a:rPr lang="ru-RU" sz="4800" dirty="0">
+                <a:solidFill>
+                  <a:srgbClr val="080808"/>
+                </a:solidFill>
+                <a:latin typeface="Arial" panose="020B0604020202020204" pitchFamily="34" charset="0"/>
+                <a:ea typeface="Times New Roman" panose="02020603050405020304" pitchFamily="18" charset="0"/>
+                <a:cs typeface="Times New Roman" panose="02020603050405020304" pitchFamily="18" charset="0"/>
+              </a:rPr>
+              <a:t>,</a:t>
+            </a:r>
+            <a:r>
+              <a:rPr lang="en-US" sz="4800" dirty="0">
+                <a:solidFill>
+                  <a:srgbClr val="1750EB"/>
+                </a:solidFill>
+                <a:latin typeface="Arial" panose="020B0604020202020204" pitchFamily="34" charset="0"/>
+                <a:ea typeface="Times New Roman" panose="02020603050405020304" pitchFamily="18" charset="0"/>
+                <a:cs typeface="Times New Roman" panose="02020603050405020304" pitchFamily="18" charset="0"/>
+              </a:rPr>
+              <a:t>2}</a:t>
+            </a:r>
+          </a:p>
+          <a:p>
+            <a:pPr>
+              <a:lnSpc>
+                <a:spcPct val="107000"/>
+              </a:lnSpc>
+              <a:spcAft>
+                <a:spcPts val="0"/>
+              </a:spcAft>
+              <a:tabLst>
+                <a:tab pos="581660" algn="l"/>
+                <a:tab pos="1163320" algn="l"/>
+                <a:tab pos="1744980" algn="l"/>
+                <a:tab pos="2326640" algn="l"/>
+                <a:tab pos="2908300" algn="l"/>
+                <a:tab pos="3489960" algn="l"/>
+                <a:tab pos="4071620" algn="l"/>
+                <a:tab pos="4653280" algn="l"/>
+                <a:tab pos="5234940" algn="l"/>
+                <a:tab pos="5816600" algn="l"/>
+                <a:tab pos="6398260" algn="l"/>
+                <a:tab pos="6979920" algn="l"/>
+                <a:tab pos="7561580" algn="l"/>
+                <a:tab pos="8143240" algn="l"/>
+                <a:tab pos="8724900" algn="l"/>
+                <a:tab pos="9306560" algn="l"/>
+              </a:tabLst>
+            </a:pPr>
+            <a:r>
+              <a:rPr lang="ru-RU" sz="4800" dirty="0">
+                <a:solidFill>
+                  <a:srgbClr val="080808"/>
+                </a:solidFill>
+                <a:latin typeface="Arial" panose="020B0604020202020204" pitchFamily="34" charset="0"/>
+                <a:ea typeface="Times New Roman" panose="02020603050405020304" pitchFamily="18" charset="0"/>
+                <a:cs typeface="Times New Roman" panose="02020603050405020304" pitchFamily="18" charset="0"/>
+              </a:rPr>
+              <a:t>r = </a:t>
+            </a:r>
+            <a:r>
+              <a:rPr lang="ru-RU" sz="4800" dirty="0" err="1">
+                <a:solidFill>
+                  <a:srgbClr val="000080"/>
+                </a:solidFill>
+                <a:latin typeface="Arial" panose="020B0604020202020204" pitchFamily="34" charset="0"/>
+                <a:ea typeface="Times New Roman" panose="02020603050405020304" pitchFamily="18" charset="0"/>
+                <a:cs typeface="Times New Roman" panose="02020603050405020304" pitchFamily="18" charset="0"/>
+              </a:rPr>
+              <a:t>range</a:t>
+            </a:r>
+            <a:r>
+              <a:rPr lang="ru-RU" sz="4800" dirty="0">
+                <a:solidFill>
+                  <a:srgbClr val="080808"/>
+                </a:solidFill>
+                <a:latin typeface="Arial" panose="020B0604020202020204" pitchFamily="34" charset="0"/>
+                <a:ea typeface="Times New Roman" panose="02020603050405020304" pitchFamily="18" charset="0"/>
+                <a:cs typeface="Times New Roman" panose="02020603050405020304" pitchFamily="18" charset="0"/>
+              </a:rPr>
+              <a:t>(</a:t>
+            </a:r>
+            <a:r>
+              <a:rPr lang="ru-RU" sz="4800" dirty="0">
+                <a:solidFill>
+                  <a:srgbClr val="1750EB"/>
+                </a:solidFill>
+                <a:latin typeface="Arial" panose="020B0604020202020204" pitchFamily="34" charset="0"/>
+                <a:ea typeface="Times New Roman" panose="02020603050405020304" pitchFamily="18" charset="0"/>
+                <a:cs typeface="Times New Roman" panose="02020603050405020304" pitchFamily="18" charset="0"/>
+              </a:rPr>
+              <a:t>20</a:t>
+            </a:r>
+            <a:r>
+              <a:rPr lang="ru-RU" sz="4800" dirty="0">
+                <a:solidFill>
+                  <a:srgbClr val="080808"/>
+                </a:solidFill>
+                <a:latin typeface="Arial" panose="020B0604020202020204" pitchFamily="34" charset="0"/>
+                <a:ea typeface="Times New Roman" panose="02020603050405020304" pitchFamily="18" charset="0"/>
+                <a:cs typeface="Times New Roman" panose="02020603050405020304" pitchFamily="18" charset="0"/>
+              </a:rPr>
+              <a:t>)</a:t>
+            </a:r>
+            <a:endParaRPr lang="ru-RU" sz="4400" dirty="0">
+              <a:effectLst/>
+              <a:latin typeface="Calibri" panose="020F0502020204030204" pitchFamily="34" charset="0"/>
+              <a:ea typeface="Calibri" panose="020F0502020204030204" pitchFamily="34" charset="0"/>
+              <a:cs typeface="Times New Roman" panose="02020603050405020304" pitchFamily="18" charset="0"/>
+            </a:endParaRPr>
+          </a:p>
+        </p:txBody>
+      </p:sp>
+      <p:sp>
+        <p:nvSpPr>
+          <p:cNvPr id="5" name="Прямоугольник 4">
+            <a:extLst>
+              <a:ext uri="{FF2B5EF4-FFF2-40B4-BE49-F238E27FC236}">
+                <a16:creationId xmlns:a16="http://schemas.microsoft.com/office/drawing/2014/main" id="{4E830AE0-5562-4949-BECA-8288B038A2A2}"/>
+              </a:ext>
+            </a:extLst>
+          </p:cNvPr>
+          <p:cNvSpPr/>
+          <p:nvPr/>
+        </p:nvSpPr>
+        <p:spPr>
+          <a:xfrm>
+            <a:off x="674152" y="533182"/>
+            <a:ext cx="7714997" cy="830997"/>
+          </a:xfrm>
+          <a:prstGeom prst="rect">
+            <a:avLst/>
+          </a:prstGeom>
+        </p:spPr>
+        <p:txBody>
+          <a:bodyPr wrap="none">
+            <a:spAutoFit/>
+          </a:bodyPr>
+          <a:lstStyle/>
+          <a:p>
+            <a:r>
+              <a:rPr lang="ru-RU" sz="4800" b="1" dirty="0">
+                <a:solidFill>
+                  <a:srgbClr val="05386C"/>
+                </a:solidFill>
+                <a:latin typeface="Yandex Sans Text Light" panose="02000000000000000000" pitchFamily="2" charset="-52"/>
+              </a:rPr>
+              <a:t>Назовите структуры данных</a:t>
+            </a:r>
+            <a:endParaRPr lang="ru-RU" sz="4800" b="1" dirty="0">
+              <a:solidFill>
+                <a:srgbClr val="05386C"/>
+              </a:solidFill>
+            </a:endParaRPr>
+          </a:p>
+        </p:txBody>
+      </p:sp>
+      <p:sp>
+        <p:nvSpPr>
+          <p:cNvPr id="6" name="Прямоугольник 5">
+            <a:extLst>
+              <a:ext uri="{FF2B5EF4-FFF2-40B4-BE49-F238E27FC236}">
+                <a16:creationId xmlns:a16="http://schemas.microsoft.com/office/drawing/2014/main" id="{766CA1FE-1ED3-492D-858E-3AD44EA2E00E}"/>
+              </a:ext>
+            </a:extLst>
+          </p:cNvPr>
+          <p:cNvSpPr/>
+          <p:nvPr/>
+        </p:nvSpPr>
+        <p:spPr>
+          <a:xfrm>
+            <a:off x="6615477" y="5576356"/>
+            <a:ext cx="5046959" cy="830997"/>
+          </a:xfrm>
+          <a:prstGeom prst="rect">
+            <a:avLst/>
+          </a:prstGeom>
+        </p:spPr>
+        <p:txBody>
+          <a:bodyPr wrap="none">
+            <a:spAutoFit/>
+          </a:bodyPr>
+          <a:lstStyle/>
+          <a:p>
+            <a:r>
+              <a:rPr lang="ru-RU" sz="4800" b="1" dirty="0">
+                <a:solidFill>
+                  <a:srgbClr val="FF0000"/>
+                </a:solidFill>
+                <a:latin typeface="Yandex Sans Text Light" panose="02000000000000000000" pitchFamily="2" charset="-52"/>
+              </a:rPr>
+              <a:t>Что у них общего</a:t>
+            </a:r>
+            <a:r>
+              <a:rPr lang="en-US" sz="4800" b="1" dirty="0">
+                <a:solidFill>
+                  <a:srgbClr val="FF0000"/>
+                </a:solidFill>
+                <a:latin typeface="Yandex Sans Text Light" panose="02000000000000000000" pitchFamily="2" charset="-52"/>
+              </a:rPr>
+              <a:t>?</a:t>
+            </a:r>
+            <a:endParaRPr lang="ru-RU" sz="4800" b="1" dirty="0">
+              <a:solidFill>
+                <a:srgbClr val="FF0000"/>
+              </a:solidFill>
+            </a:endParaRPr>
+          </a:p>
+        </p:txBody>
+      </p:sp>
+    </p:spTree>
+    <p:extLst>
+      <p:ext uri="{BB962C8B-B14F-4D97-AF65-F5344CB8AC3E}">
+        <p14:creationId xmlns:p14="http://schemas.microsoft.com/office/powerpoint/2010/main" val="3194590479"/>
+      </p:ext>
+    </p:extLst>
+  </p:cSld>
+  <p:clrMapOvr>
+    <a:masterClrMapping/>
+  </p:clrMapOvr>
+  <p:timing>
+    <p:tnLst>
+      <p:par>
+        <p:cTn id="1" dur="indefinite" restart="never" nodeType="tmRoot">
+          <p:childTnLst>
+            <p:seq concurrent="1" nextAc="seek">
+              <p:cTn id="2" dur="indefinite" nodeType="mainSeq">
+                <p:childTnLst>
+                  <p:par>
+                    <p:cTn id="3" fill="hold">
+                      <p:stCondLst>
+                        <p:cond delay="indefinite"/>
+                      </p:stCondLst>
+                      <p:childTnLst>
+                        <p:par>
+                          <p:cTn id="4" fill="hold">
+                            <p:stCondLst>
+                              <p:cond delay="0"/>
+                            </p:stCondLst>
+                            <p:childTnLst>
+                              <p:par>
+                                <p:cTn id="5" presetID="1" presetClass="entr" presetSubtype="0" fill="hold" grpId="0" nodeType="clickEffect">
+                                  <p:stCondLst>
+                                    <p:cond delay="0"/>
+                                  </p:stCondLst>
+                                  <p:childTnLst>
+                                    <p:set>
+                                      <p:cBhvr>
+                                        <p:cTn id="6" dur="1" fill="hold">
+                                          <p:stCondLst>
+                                            <p:cond delay="0"/>
+                                          </p:stCondLst>
+                                        </p:cTn>
+                                        <p:tgtEl>
+                                          <p:spTgt spid="6"/>
+                                        </p:tgtEl>
+                                        <p:attrNameLst>
+                                          <p:attrName>style.visibility</p:attrName>
+                                        </p:attrNameLst>
+                                      </p:cBhvr>
+                                      <p:to>
+                                        <p:strVal val="visible"/>
+                                      </p:to>
+                                    </p:set>
+                                  </p:childTnLst>
+                                </p:cTn>
+                              </p:par>
+                            </p:childTnLst>
+                          </p:cTn>
+                        </p:par>
+                      </p:childTnLst>
+                    </p:cTn>
+                  </p:par>
+                </p:childTnLst>
+              </p:cTn>
+              <p:prevCondLst>
+                <p:cond evt="onPrev" delay="0">
+                  <p:tgtEl>
+                    <p:sldTgt/>
+                  </p:tgtEl>
+                </p:cond>
+              </p:prevCondLst>
+              <p:nextCondLst>
+                <p:cond evt="onNext" delay="0">
+                  <p:tgtEl>
+                    <p:sldTgt/>
+                  </p:tgtEl>
+                </p:cond>
+              </p:nextCondLst>
+            </p:seq>
+          </p:childTnLst>
+        </p:cTn>
+      </p:par>
+    </p:tnLst>
+    <p:bldLst>
+      <p:bldP spid="6" grpId="0"/>
+    </p:bldLst>
+  </p:timing>
+</p:sld>
+</file>
+
+<file path=ppt/slides/slide3.xml><?xml version="1.0" encoding="utf-8"?>
+<p:sld xmlns:a="http://schemas.openxmlformats.org/drawingml/2006/main" xmlns:r="http://schemas.openxmlformats.org/officeDocument/2006/relationships" xmlns:p="http://schemas.openxmlformats.org/presentationml/2006/main">
+  <p:cSld>
+    <p:spTree>
+      <p:nvGrpSpPr>
+        <p:cNvPr id="1" name=""/>
+        <p:cNvGrpSpPr/>
+        <p:nvPr/>
+      </p:nvGrpSpPr>
+      <p:grpSpPr>
+        <a:xfrm>
+          <a:off x="0" y="0"/>
+          <a:ext cx="0" cy="0"/>
+          <a:chOff x="0" y="0"/>
+          <a:chExt cx="0" cy="0"/>
+        </a:xfrm>
+      </p:grpSpPr>
+      <p:pic>
+        <p:nvPicPr>
+          <p:cNvPr id="3" name="Рисунок 2">
+            <a:extLst>
+              <a:ext uri="{FF2B5EF4-FFF2-40B4-BE49-F238E27FC236}">
+                <a16:creationId xmlns:a16="http://schemas.microsoft.com/office/drawing/2014/main" id="{48970911-BEBD-46E5-BFFC-E3CECA6A4822}"/>
+              </a:ext>
+            </a:extLst>
+          </p:cNvPr>
+          <p:cNvPicPr>
+            <a:picLocks noChangeAspect="1"/>
+          </p:cNvPicPr>
+          <p:nvPr/>
+        </p:nvPicPr>
+        <p:blipFill>
+          <a:blip r:embed="rId2"/>
+          <a:stretch>
+            <a:fillRect/>
+          </a:stretch>
+        </p:blipFill>
+        <p:spPr>
+          <a:xfrm>
+            <a:off x="301154" y="739521"/>
+            <a:ext cx="9802689" cy="5908167"/>
+          </a:xfrm>
+          <a:prstGeom prst="rect">
+            <a:avLst/>
+          </a:prstGeom>
+        </p:spPr>
+      </p:pic>
+      <p:sp>
+        <p:nvSpPr>
+          <p:cNvPr id="4" name="Прямоугольник 3">
+            <a:extLst>
+              <a:ext uri="{FF2B5EF4-FFF2-40B4-BE49-F238E27FC236}">
+                <a16:creationId xmlns:a16="http://schemas.microsoft.com/office/drawing/2014/main" id="{07E8B6D9-CB9C-45F1-A68C-D694E2BE6115}"/>
+              </a:ext>
+            </a:extLst>
+          </p:cNvPr>
+          <p:cNvSpPr/>
+          <p:nvPr/>
+        </p:nvSpPr>
+        <p:spPr>
+          <a:xfrm>
+            <a:off x="9962181" y="0"/>
+            <a:ext cx="2020105" cy="830997"/>
+          </a:xfrm>
+          <a:prstGeom prst="rect">
+            <a:avLst/>
+          </a:prstGeom>
+        </p:spPr>
+        <p:txBody>
+          <a:bodyPr wrap="none">
+            <a:spAutoFit/>
+          </a:bodyPr>
+          <a:lstStyle/>
+          <a:p>
+            <a:r>
+              <a:rPr lang="ru-RU" sz="4800" b="1" dirty="0">
+                <a:solidFill>
+                  <a:srgbClr val="FF0000"/>
+                </a:solidFill>
+                <a:latin typeface="Yandex Sans Text Light" panose="02000000000000000000" pitchFamily="2" charset="-52"/>
+              </a:rPr>
+              <a:t>Строка</a:t>
+            </a:r>
+            <a:endParaRPr lang="ru-RU" sz="4800" b="1" dirty="0">
+              <a:solidFill>
+                <a:srgbClr val="FF0000"/>
+              </a:solidFill>
+            </a:endParaRPr>
+          </a:p>
+        </p:txBody>
+      </p:sp>
+    </p:spTree>
+    <p:extLst>
+      <p:ext uri="{BB962C8B-B14F-4D97-AF65-F5344CB8AC3E}">
+        <p14:creationId xmlns:p14="http://schemas.microsoft.com/office/powerpoint/2010/main" val="1603464611"/>
+      </p:ext>
+    </p:extLst>
+  </p:cSld>
+  <p:clrMapOvr>
+    <a:masterClrMapping/>
+  </p:clrMapOvr>
+  <p:timing>
+    <p:tnLst>
+      <p:par>
+        <p:cTn id="1" dur="indefinite" restart="never" nodeType="tmRoot">
+          <p:childTnLst>
+            <p:seq concurrent="1" nextAc="seek">
+              <p:cTn id="2" dur="indefinite" nodeType="mainSeq">
+                <p:childTnLst>
+                  <p:par>
+                    <p:cTn id="3" fill="hold">
+                      <p:stCondLst>
+                        <p:cond delay="indefinite"/>
+                      </p:stCondLst>
+                      <p:childTnLst>
+                        <p:par>
+                          <p:cTn id="4" fill="hold">
+                            <p:stCondLst>
+                              <p:cond delay="0"/>
+                            </p:stCondLst>
+                            <p:childTnLst>
+                              <p:par>
+                                <p:cTn id="5" presetID="1" presetClass="entr" presetSubtype="0" fill="hold" grpId="0" nodeType="clickEffect">
+                                  <p:stCondLst>
+                                    <p:cond delay="0"/>
+                                  </p:stCondLst>
+                                  <p:childTnLst>
+                                    <p:set>
+                                      <p:cBhvr>
+                                        <p:cTn id="6" dur="1" fill="hold">
+                                          <p:stCondLst>
+                                            <p:cond delay="0"/>
+                                          </p:stCondLst>
+                                        </p:cTn>
+                                        <p:tgtEl>
+                                          <p:spTgt spid="4"/>
+                                        </p:tgtEl>
+                                        <p:attrNameLst>
+                                          <p:attrName>style.visibility</p:attrName>
+                                        </p:attrNameLst>
+                                      </p:cBhvr>
+                                      <p:to>
+                                        <p:strVal val="visible"/>
+                                      </p:to>
+                                    </p:set>
+                                  </p:childTnLst>
+                                </p:cTn>
+                              </p:par>
+                            </p:childTnLst>
+                          </p:cTn>
+                        </p:par>
+                      </p:childTnLst>
+                    </p:cTn>
+                  </p:par>
+                </p:childTnLst>
+              </p:cTn>
+              <p:prevCondLst>
+                <p:cond evt="onPrev" delay="0">
+                  <p:tgtEl>
+                    <p:sldTgt/>
+                  </p:tgtEl>
+                </p:cond>
+              </p:prevCondLst>
+              <p:nextCondLst>
+                <p:cond evt="onNext" delay="0">
+                  <p:tgtEl>
+                    <p:sldTgt/>
+                  </p:tgtEl>
+                </p:cond>
+              </p:nextCondLst>
+            </p:seq>
+          </p:childTnLst>
+        </p:cTn>
+      </p:par>
+    </p:tnLst>
+    <p:bldLst>
+      <p:bldP spid="4" grpId="0"/>
+    </p:bldLst>
+  </p:timing>
+</p:sld>
+</file>
+
+<file path=ppt/slides/slide4.xml><?xml version="1.0" encoding="utf-8"?>
+<p:sld xmlns:a="http://schemas.openxmlformats.org/drawingml/2006/main" xmlns:r="http://schemas.openxmlformats.org/officeDocument/2006/relationships" xmlns:p="http://schemas.openxmlformats.org/presentationml/2006/main">
+  <p:cSld>
+    <p:spTree>
+      <p:nvGrpSpPr>
+        <p:cNvPr id="1" name=""/>
+        <p:cNvGrpSpPr/>
+        <p:nvPr/>
+      </p:nvGrpSpPr>
+      <p:grpSpPr>
+        <a:xfrm>
+          <a:off x="0" y="0"/>
+          <a:ext cx="0" cy="0"/>
+          <a:chOff x="0" y="0"/>
+          <a:chExt cx="0" cy="0"/>
+        </a:xfrm>
+      </p:grpSpPr>
+      <p:pic>
+        <p:nvPicPr>
+          <p:cNvPr id="1028" name="Picture 4" descr="Picture background">
+            <a:extLst>
+              <a:ext uri="{FF2B5EF4-FFF2-40B4-BE49-F238E27FC236}">
+                <a16:creationId xmlns:a16="http://schemas.microsoft.com/office/drawing/2014/main" id="{86230326-C765-4384-B354-BBF3C2CA851D}"/>
+              </a:ext>
+            </a:extLst>
+          </p:cNvPr>
+          <p:cNvPicPr>
+            <a:picLocks noChangeAspect="1" noChangeArrowheads="1"/>
+          </p:cNvPicPr>
+          <p:nvPr/>
+        </p:nvPicPr>
+        <p:blipFill>
+          <a:blip r:embed="rId2">
+            <a:extLst>
+              <a:ext uri="{28A0092B-C50C-407E-A947-70E740481C1C}">
+                <a14:useLocalDpi xmlns:a14="http://schemas.microsoft.com/office/drawing/2010/main" val="0"/>
+              </a:ext>
+            </a:extLst>
+          </a:blip>
+          <a:srcRect/>
+          <a:stretch>
+            <a:fillRect/>
+          </a:stretch>
+        </p:blipFill>
+        <p:spPr bwMode="auto">
+          <a:xfrm>
+            <a:off x="109982" y="0"/>
+            <a:ext cx="6081713" cy="6858000"/>
+          </a:xfrm>
+          <a:prstGeom prst="rect">
+            <a:avLst/>
+          </a:prstGeom>
+          <a:noFill/>
+          <a:extLst>
+            <a:ext uri="{909E8E84-426E-40DD-AFC4-6F175D3DCCD1}">
+              <a14:hiddenFill xmlns:a14="http://schemas.microsoft.com/office/drawing/2010/main">
+                <a:solidFill>
+                  <a:srgbClr val="FFFFFF"/>
+                </a:solidFill>
+              </a14:hiddenFill>
+            </a:ext>
+          </a:extLst>
+        </p:spPr>
+      </p:pic>
+      <p:pic>
+        <p:nvPicPr>
+          <p:cNvPr id="1030" name="Picture 6" descr="Picture background">
+            <a:extLst>
+              <a:ext uri="{FF2B5EF4-FFF2-40B4-BE49-F238E27FC236}">
+                <a16:creationId xmlns:a16="http://schemas.microsoft.com/office/drawing/2014/main" id="{68E9AAD3-15D2-4D24-BA22-CB92F7CBEDCC}"/>
+              </a:ext>
+            </a:extLst>
+          </p:cNvPr>
+          <p:cNvPicPr>
+            <a:picLocks noChangeAspect="1" noChangeArrowheads="1"/>
+          </p:cNvPicPr>
+          <p:nvPr/>
+        </p:nvPicPr>
+        <p:blipFill>
+          <a:blip r:embed="rId3">
+            <a:extLst>
+              <a:ext uri="{28A0092B-C50C-407E-A947-70E740481C1C}">
+                <a14:useLocalDpi xmlns:a14="http://schemas.microsoft.com/office/drawing/2010/main" val="0"/>
+              </a:ext>
+            </a:extLst>
+          </a:blip>
+          <a:srcRect/>
+          <a:stretch>
+            <a:fillRect/>
+          </a:stretch>
+        </p:blipFill>
+        <p:spPr bwMode="auto">
+          <a:xfrm>
+            <a:off x="6626733" y="0"/>
+            <a:ext cx="5922963" cy="6858000"/>
+          </a:xfrm>
+          <a:prstGeom prst="rect">
+            <a:avLst/>
+          </a:prstGeom>
+          <a:noFill/>
+          <a:extLst>
+            <a:ext uri="{909E8E84-426E-40DD-AFC4-6F175D3DCCD1}">
+              <a14:hiddenFill xmlns:a14="http://schemas.microsoft.com/office/drawing/2010/main">
+                <a:solidFill>
+                  <a:srgbClr val="FFFFFF"/>
+                </a:solidFill>
+              </a14:hiddenFill>
+            </a:ext>
+          </a:extLst>
+        </p:spPr>
+      </p:pic>
+    </p:spTree>
+    <p:extLst>
+      <p:ext uri="{BB962C8B-B14F-4D97-AF65-F5344CB8AC3E}">
+        <p14:creationId xmlns:p14="http://schemas.microsoft.com/office/powerpoint/2010/main" val="235574063"/>
+      </p:ext>
+    </p:extLst>
+  </p:cSld>
+  <p:clrMapOvr>
+    <a:masterClrMapping/>
+  </p:clrMapOvr>
+</p:sld>
+</file>
+
+<file path=ppt/slides/slide5.xml><?xml version="1.0" encoding="utf-8"?>
+<p:sld xmlns:a="http://schemas.openxmlformats.org/drawingml/2006/main" xmlns:r="http://schemas.openxmlformats.org/officeDocument/2006/relationships" xmlns:p="http://schemas.openxmlformats.org/presentationml/2006/main">
+  <p:cSld>
+    <p:spTree>
+      <p:nvGrpSpPr>
+        <p:cNvPr id="1" name=""/>
+        <p:cNvGrpSpPr/>
+        <p:nvPr/>
+      </p:nvGrpSpPr>
+      <p:grpSpPr>
+        <a:xfrm>
+          <a:off x="0" y="0"/>
+          <a:ext cx="0" cy="0"/>
+          <a:chOff x="0" y="0"/>
+          <a:chExt cx="0" cy="0"/>
+        </a:xfrm>
+      </p:grpSpPr>
+      <p:pic>
+        <p:nvPicPr>
+          <p:cNvPr id="1026" name="Picture 2" descr="Picture background">
+            <a:extLst>
+              <a:ext uri="{FF2B5EF4-FFF2-40B4-BE49-F238E27FC236}">
+                <a16:creationId xmlns:a16="http://schemas.microsoft.com/office/drawing/2014/main" id="{7B400E2A-077B-4C0C-8098-5E19B244DF68}"/>
+              </a:ext>
+            </a:extLst>
+          </p:cNvPr>
+          <p:cNvPicPr>
+            <a:picLocks noChangeAspect="1" noChangeArrowheads="1"/>
+          </p:cNvPicPr>
+          <p:nvPr/>
+        </p:nvPicPr>
+        <p:blipFill rotWithShape="1">
+          <a:blip r:embed="rId2">
+            <a:extLst>
+              <a:ext uri="{28A0092B-C50C-407E-A947-70E740481C1C}">
+                <a14:useLocalDpi xmlns:a14="http://schemas.microsoft.com/office/drawing/2010/main" val="0"/>
+              </a:ext>
+            </a:extLst>
+          </a:blip>
+          <a:srcRect t="14311"/>
+          <a:stretch/>
+        </p:blipFill>
+        <p:spPr bwMode="auto">
+          <a:xfrm>
+            <a:off x="558038" y="557052"/>
+            <a:ext cx="5537962" cy="4975798"/>
+          </a:xfrm>
+          <a:prstGeom prst="rect">
+            <a:avLst/>
+          </a:prstGeom>
+          <a:noFill/>
+          <a:extLst>
+            <a:ext uri="{909E8E84-426E-40DD-AFC4-6F175D3DCCD1}">
+              <a14:hiddenFill xmlns:a14="http://schemas.microsoft.com/office/drawing/2010/main">
+                <a:solidFill>
+                  <a:srgbClr val="FFFFFF"/>
+                </a:solidFill>
+              </a14:hiddenFill>
+            </a:ext>
+          </a:extLst>
+        </p:spPr>
+      </p:pic>
+      <p:sp>
+        <p:nvSpPr>
+          <p:cNvPr id="3" name="Прямоугольник 2">
+            <a:extLst>
+              <a:ext uri="{FF2B5EF4-FFF2-40B4-BE49-F238E27FC236}">
+                <a16:creationId xmlns:a16="http://schemas.microsoft.com/office/drawing/2014/main" id="{7AA7BADF-C228-417C-B79B-99727896BB14}"/>
+              </a:ext>
+            </a:extLst>
+          </p:cNvPr>
+          <p:cNvSpPr/>
+          <p:nvPr/>
+        </p:nvSpPr>
+        <p:spPr>
+          <a:xfrm>
+            <a:off x="1893062" y="5730001"/>
+            <a:ext cx="2074607" cy="830997"/>
+          </a:xfrm>
+          <a:prstGeom prst="rect">
+            <a:avLst/>
+          </a:prstGeom>
+        </p:spPr>
+        <p:txBody>
+          <a:bodyPr wrap="none">
+            <a:spAutoFit/>
+          </a:bodyPr>
+          <a:lstStyle/>
+          <a:p>
+            <a:r>
+              <a:rPr lang="ru-RU" sz="4800" b="1" dirty="0">
+                <a:solidFill>
+                  <a:srgbClr val="FF0000"/>
+                </a:solidFill>
+                <a:latin typeface="Yandex Sans Text Light" panose="02000000000000000000" pitchFamily="2" charset="-52"/>
+              </a:rPr>
+              <a:t>Список</a:t>
+            </a:r>
+            <a:endParaRPr lang="ru-RU" sz="4800" b="1" dirty="0">
+              <a:solidFill>
+                <a:srgbClr val="FF0000"/>
+              </a:solidFill>
+            </a:endParaRPr>
+          </a:p>
+        </p:txBody>
+      </p:sp>
+      <p:pic>
+        <p:nvPicPr>
+          <p:cNvPr id="4" name="Рисунок 3">
+            <a:extLst>
+              <a:ext uri="{FF2B5EF4-FFF2-40B4-BE49-F238E27FC236}">
+                <a16:creationId xmlns:a16="http://schemas.microsoft.com/office/drawing/2014/main" id="{70E8FD58-017C-454F-B482-D9091B637FBA}"/>
+              </a:ext>
+            </a:extLst>
+          </p:cNvPr>
+          <p:cNvPicPr>
+            <a:picLocks noChangeAspect="1"/>
+          </p:cNvPicPr>
+          <p:nvPr/>
+        </p:nvPicPr>
+        <p:blipFill>
+          <a:blip r:embed="rId3"/>
+          <a:stretch>
+            <a:fillRect/>
+          </a:stretch>
+        </p:blipFill>
+        <p:spPr>
+          <a:xfrm>
+            <a:off x="7012267" y="1409573"/>
+            <a:ext cx="4878586" cy="1745107"/>
+          </a:xfrm>
+          <a:prstGeom prst="rect">
+            <a:avLst/>
+          </a:prstGeom>
+        </p:spPr>
+      </p:pic>
+      <p:sp>
+        <p:nvSpPr>
+          <p:cNvPr id="7" name="Прямоугольник 6">
+            <a:extLst>
+              <a:ext uri="{FF2B5EF4-FFF2-40B4-BE49-F238E27FC236}">
+                <a16:creationId xmlns:a16="http://schemas.microsoft.com/office/drawing/2014/main" id="{2A7A2065-957B-48E0-9656-5C8CC986B37B}"/>
+              </a:ext>
+            </a:extLst>
+          </p:cNvPr>
+          <p:cNvSpPr/>
+          <p:nvPr/>
+        </p:nvSpPr>
+        <p:spPr>
+          <a:xfrm>
+            <a:off x="8513318" y="5655386"/>
+            <a:ext cx="2194832" cy="830997"/>
+          </a:xfrm>
+          <a:prstGeom prst="rect">
+            <a:avLst/>
+          </a:prstGeom>
+        </p:spPr>
+        <p:txBody>
+          <a:bodyPr wrap="none">
+            <a:spAutoFit/>
+          </a:bodyPr>
+          <a:lstStyle/>
+          <a:p>
+            <a:r>
+              <a:rPr lang="ru-RU" sz="4800" b="1" dirty="0">
+                <a:solidFill>
+                  <a:srgbClr val="FF0000"/>
+                </a:solidFill>
+                <a:latin typeface="Yandex Sans Text Light" panose="02000000000000000000" pitchFamily="2" charset="-52"/>
+              </a:rPr>
+              <a:t>Кортеж</a:t>
+            </a:r>
+            <a:endParaRPr lang="ru-RU" sz="4800" b="1" dirty="0">
+              <a:solidFill>
+                <a:srgbClr val="FF0000"/>
+              </a:solidFill>
+            </a:endParaRPr>
+          </a:p>
+        </p:txBody>
+      </p:sp>
+    </p:spTree>
+    <p:extLst>
+      <p:ext uri="{BB962C8B-B14F-4D97-AF65-F5344CB8AC3E}">
+        <p14:creationId xmlns:p14="http://schemas.microsoft.com/office/powerpoint/2010/main" val="2839987013"/>
+      </p:ext>
+    </p:extLst>
+  </p:cSld>
+  <p:clrMapOvr>
+    <a:masterClrMapping/>
+  </p:clrMapOvr>
+  <p:timing>
+    <p:tnLst>
+      <p:par>
+        <p:cTn id="1" dur="indefinite" restart="never" nodeType="tmRoot">
+          <p:childTnLst>
+            <p:seq concurrent="1" nextAc="seek">
+              <p:cTn id="2" dur="indefinite" nodeType="mainSeq">
+                <p:childTnLst>
+                  <p:par>
+                    <p:cTn id="3" fill="hold">
+                      <p:stCondLst>
+                        <p:cond delay="indefinite"/>
+                      </p:stCondLst>
+                      <p:childTnLst>
+                        <p:par>
+                          <p:cTn id="4" fill="hold">
+                            <p:stCondLst>
+                              <p:cond delay="0"/>
+                            </p:stCondLst>
+                            <p:childTnLst>
+                              <p:par>
+                                <p:cTn id="5" presetID="1" presetClass="entr" presetSubtype="0" fill="hold" grpId="0" nodeType="clickEffect">
+                                  <p:stCondLst>
+                                    <p:cond delay="0"/>
+                                  </p:stCondLst>
+                                  <p:childTnLst>
+                                    <p:set>
+                                      <p:cBhvr>
+                                        <p:cTn id="6" dur="1" fill="hold">
+                                          <p:stCondLst>
+                                            <p:cond delay="0"/>
+                                          </p:stCondLst>
+                                        </p:cTn>
+                                        <p:tgtEl>
+                                          <p:spTgt spid="3"/>
+                                        </p:tgtEl>
+                                        <p:attrNameLst>
+                                          <p:attrName>style.visibility</p:attrName>
+                                        </p:attrNameLst>
+                                      </p:cBhvr>
+                                      <p:to>
+                                        <p:strVal val="visible"/>
+                                      </p:to>
+                                    </p:set>
+                                  </p:childTnLst>
+                                </p:cTn>
+                              </p:par>
+                            </p:childTnLst>
+                          </p:cTn>
+                        </p:par>
+                      </p:childTnLst>
+                    </p:cTn>
+                  </p:par>
+                  <p:par>
+                    <p:cTn id="7" fill="hold">
+                      <p:stCondLst>
+                        <p:cond delay="indefinite"/>
+                      </p:stCondLst>
+                      <p:childTnLst>
+                        <p:par>
+                          <p:cTn id="8" fill="hold">
+                            <p:stCondLst>
+                              <p:cond delay="0"/>
+                            </p:stCondLst>
+                            <p:childTnLst>
+                              <p:par>
+                                <p:cTn id="9" presetID="1" presetClass="entr" presetSubtype="0" fill="hold" grpId="0" nodeType="clickEffect">
+                                  <p:stCondLst>
+                                    <p:cond delay="0"/>
+                                  </p:stCondLst>
+                                  <p:childTnLst>
+                                    <p:set>
+                                      <p:cBhvr>
+                                        <p:cTn id="10" dur="1" fill="hold">
+                                          <p:stCondLst>
+                                            <p:cond delay="0"/>
+                                          </p:stCondLst>
+                                        </p:cTn>
+                                        <p:tgtEl>
+                                          <p:spTgt spid="7"/>
+                                        </p:tgtEl>
+                                        <p:attrNameLst>
+                                          <p:attrName>style.visibility</p:attrName>
+                                        </p:attrNameLst>
+                                      </p:cBhvr>
+                                      <p:to>
+                                        <p:strVal val="visible"/>
+                                      </p:to>
+                                    </p:set>
+                                  </p:childTnLst>
+                                </p:cTn>
+                              </p:par>
+                            </p:childTnLst>
+                          </p:cTn>
+                        </p:par>
+                      </p:childTnLst>
+                    </p:cTn>
+                  </p:par>
+                  <p:par>
+                    <p:cTn id="11" fill="hold">
+                      <p:stCondLst>
+                        <p:cond delay="indefinite"/>
+                      </p:stCondLst>
+                      <p:childTnLst>
+                        <p:par>
+                          <p:cTn id="12" fill="hold">
+                            <p:stCondLst>
+                              <p:cond delay="0"/>
+                            </p:stCondLst>
+                            <p:childTnLst>
+                              <p:par>
+                                <p:cTn id="13" presetID="1" presetClass="entr" presetSubtype="0" fill="hold" nodeType="clickEffect">
+                                  <p:stCondLst>
+                                    <p:cond delay="0"/>
+                                  </p:stCondLst>
+                                  <p:childTnLst>
+                                    <p:set>
+                                      <p:cBhvr>
+                                        <p:cTn id="14" dur="1" fill="hold">
+                                          <p:stCondLst>
+                                            <p:cond delay="0"/>
+                                          </p:stCondLst>
+                                        </p:cTn>
+                                        <p:tgtEl>
+                                          <p:spTgt spid="4"/>
+                                        </p:tgtEl>
+                                        <p:attrNameLst>
+                                          <p:attrName>style.visibility</p:attrName>
+                                        </p:attrNameLst>
+                                      </p:cBhvr>
+                                      <p:to>
+                                        <p:strVal val="visible"/>
+                                      </p:to>
+                                    </p:set>
+                                  </p:childTnLst>
+                                </p:cTn>
+                              </p:par>
+                            </p:childTnLst>
+                          </p:cTn>
+                        </p:par>
+                      </p:childTnLst>
+                    </p:cTn>
+                  </p:par>
+                </p:childTnLst>
+              </p:cTn>
+              <p:prevCondLst>
+                <p:cond evt="onPrev" delay="0">
+                  <p:tgtEl>
+                    <p:sldTgt/>
+                  </p:tgtEl>
+                </p:cond>
+              </p:prevCondLst>
+              <p:nextCondLst>
+                <p:cond evt="onNext" delay="0">
+                  <p:tgtEl>
+                    <p:sldTgt/>
+                  </p:tgtEl>
+                </p:cond>
+              </p:nextCondLst>
+            </p:seq>
+          </p:childTnLst>
+        </p:cTn>
+      </p:par>
+    </p:tnLst>
+    <p:bldLst>
+      <p:bldP spid="3" grpId="0"/>
+      <p:bldP spid="7" grpId="0"/>
+    </p:bldLst>
+  </p:timing>
+</p:sld>
+</file>
+
 <file path=ppt/slides/slide6.xml><?xml version="1.0" encoding="utf-8"?>
+<p:sld xmlns:a="http://schemas.openxmlformats.org/drawingml/2006/main" xmlns:r="http://schemas.openxmlformats.org/officeDocument/2006/relationships" xmlns:p="http://schemas.openxmlformats.org/presentationml/2006/main">
+  <p:cSld>
+    <p:spTree>
+      <p:nvGrpSpPr>
+        <p:cNvPr id="1" name=""/>
+        <p:cNvGrpSpPr/>
+        <p:nvPr/>
+      </p:nvGrpSpPr>
+      <p:grpSpPr>
+        <a:xfrm>
+          <a:off x="0" y="0"/>
+          <a:ext cx="0" cy="0"/>
+          <a:chOff x="0" y="0"/>
+          <a:chExt cx="0" cy="0"/>
+        </a:xfrm>
+      </p:grpSpPr>
+      <p:pic>
+        <p:nvPicPr>
+          <p:cNvPr id="2050" name="Picture 2" descr="r/programming_tips - PYTHON SET METHODS .">
+            <a:extLst>
+              <a:ext uri="{FF2B5EF4-FFF2-40B4-BE49-F238E27FC236}">
+                <a16:creationId xmlns:a16="http://schemas.microsoft.com/office/drawing/2014/main" id="{8FBDFBCA-43ED-4073-AAFE-BD2EAD91EB80}"/>
+              </a:ext>
+            </a:extLst>
+          </p:cNvPr>
+          <p:cNvPicPr>
+            <a:picLocks noChangeAspect="1" noChangeArrowheads="1"/>
+          </p:cNvPicPr>
+          <p:nvPr/>
+        </p:nvPicPr>
+        <p:blipFill rotWithShape="1">
+          <a:blip r:embed="rId2">
+            <a:extLst>
+              <a:ext uri="{28A0092B-C50C-407E-A947-70E740481C1C}">
+                <a14:useLocalDpi xmlns:a14="http://schemas.microsoft.com/office/drawing/2010/main" val="0"/>
+              </a:ext>
+            </a:extLst>
+          </a:blip>
+          <a:srcRect l="13646" t="20353" r="15133" b="8348"/>
+          <a:stretch/>
+        </p:blipFill>
+        <p:spPr bwMode="auto">
+          <a:xfrm>
+            <a:off x="6775704" y="1077167"/>
+            <a:ext cx="5233779" cy="5239512"/>
+          </a:xfrm>
+          <a:prstGeom prst="rect">
+            <a:avLst/>
+          </a:prstGeom>
+          <a:noFill/>
+          <a:extLst>
+            <a:ext uri="{909E8E84-426E-40DD-AFC4-6F175D3DCCD1}">
+              <a14:hiddenFill xmlns:a14="http://schemas.microsoft.com/office/drawing/2010/main">
+                <a:solidFill>
+                  <a:srgbClr val="FFFFFF"/>
+                </a:solidFill>
+              </a14:hiddenFill>
+            </a:ext>
+          </a:extLst>
+        </p:spPr>
+      </p:pic>
+      <p:pic>
+        <p:nvPicPr>
+          <p:cNvPr id="3" name="Picture 4" descr="image">
+            <a:extLst>
+              <a:ext uri="{FF2B5EF4-FFF2-40B4-BE49-F238E27FC236}">
+                <a16:creationId xmlns:a16="http://schemas.microsoft.com/office/drawing/2014/main" id="{4B11AEE7-3CF1-4147-AEC8-9C5F83456870}"/>
+              </a:ext>
+            </a:extLst>
+          </p:cNvPr>
+          <p:cNvPicPr>
+            <a:picLocks noChangeAspect="1" noChangeArrowheads="1"/>
+          </p:cNvPicPr>
+          <p:nvPr/>
+        </p:nvPicPr>
+        <p:blipFill rotWithShape="1">
+          <a:blip r:embed="rId3">
+            <a:extLst>
+              <a:ext uri="{28A0092B-C50C-407E-A947-70E740481C1C}">
+                <a14:useLocalDpi xmlns:a14="http://schemas.microsoft.com/office/drawing/2010/main" val="0"/>
+              </a:ext>
+            </a:extLst>
+          </a:blip>
+          <a:srcRect t="10832"/>
+          <a:stretch/>
+        </p:blipFill>
+        <p:spPr bwMode="auto">
+          <a:xfrm>
+            <a:off x="182517" y="1839768"/>
+            <a:ext cx="5997186" cy="2887680"/>
+          </a:xfrm>
+          <a:prstGeom prst="rect">
+            <a:avLst/>
+          </a:prstGeom>
+          <a:ln>
+            <a:noFill/>
+          </a:ln>
+          <a:effectLst>
+            <a:outerShdw blurRad="292100" dist="139700" dir="2700000" algn="tl" rotWithShape="0">
+              <a:srgbClr val="333333">
+                <a:alpha val="65000"/>
+              </a:srgbClr>
+            </a:outerShdw>
+          </a:effectLst>
+          <a:extLst>
+            <a:ext uri="{909E8E84-426E-40DD-AFC4-6F175D3DCCD1}">
+              <a14:hiddenFill xmlns:a14="http://schemas.microsoft.com/office/drawing/2010/main">
+                <a:solidFill>
+                  <a:srgbClr val="FFFFFF"/>
+                </a:solidFill>
+              </a14:hiddenFill>
+            </a:ext>
+          </a:extLst>
+        </p:spPr>
+      </p:pic>
+      <p:sp>
+        <p:nvSpPr>
+          <p:cNvPr id="4" name="Прямоугольник 3">
+            <a:extLst>
+              <a:ext uri="{FF2B5EF4-FFF2-40B4-BE49-F238E27FC236}">
+                <a16:creationId xmlns:a16="http://schemas.microsoft.com/office/drawing/2014/main" id="{76CE3ACE-E92E-4A92-BF4B-2A7CE4E26C6E}"/>
+              </a:ext>
+            </a:extLst>
+          </p:cNvPr>
+          <p:cNvSpPr/>
+          <p:nvPr/>
+        </p:nvSpPr>
+        <p:spPr>
+          <a:xfrm>
+            <a:off x="1451238" y="434162"/>
+            <a:ext cx="3284874" cy="830997"/>
+          </a:xfrm>
+          <a:prstGeom prst="rect">
+            <a:avLst/>
+          </a:prstGeom>
+        </p:spPr>
+        <p:txBody>
+          <a:bodyPr wrap="none">
+            <a:spAutoFit/>
+          </a:bodyPr>
+          <a:lstStyle/>
+          <a:p>
+            <a:r>
+              <a:rPr lang="ru-RU" sz="4800" b="1" dirty="0">
+                <a:solidFill>
+                  <a:srgbClr val="FF0000"/>
+                </a:solidFill>
+                <a:latin typeface="Yandex Sans Text Light" panose="02000000000000000000" pitchFamily="2" charset="-52"/>
+              </a:rPr>
+              <a:t>Множество</a:t>
+            </a:r>
+            <a:endParaRPr lang="ru-RU" sz="4800" b="1" dirty="0">
+              <a:solidFill>
+                <a:srgbClr val="FF0000"/>
+              </a:solidFill>
+            </a:endParaRPr>
+          </a:p>
+        </p:txBody>
+      </p:sp>
+    </p:spTree>
+    <p:extLst>
+      <p:ext uri="{BB962C8B-B14F-4D97-AF65-F5344CB8AC3E}">
+        <p14:creationId xmlns:p14="http://schemas.microsoft.com/office/powerpoint/2010/main" val="1698701669"/>
+      </p:ext>
+    </p:extLst>
+  </p:cSld>
+  <p:clrMapOvr>
+    <a:masterClrMapping/>
+  </p:clrMapOvr>
+  <p:timing>
+    <p:tnLst>
+      <p:par>
+        <p:cTn id="1" dur="indefinite" restart="never" nodeType="tmRoot">
+          <p:childTnLst>
+            <p:seq concurrent="1" nextAc="seek">
+              <p:cTn id="2" dur="indefinite" nodeType="mainSeq">
+                <p:childTnLst>
+                  <p:par>
+                    <p:cTn id="3" fill="hold">
+                      <p:stCondLst>
+                        <p:cond delay="indefinite"/>
+                      </p:stCondLst>
+                      <p:childTnLst>
+                        <p:par>
+                          <p:cTn id="4" fill="hold">
+                            <p:stCondLst>
+                              <p:cond delay="0"/>
+                            </p:stCondLst>
+                            <p:childTnLst>
+                              <p:par>
+                                <p:cTn id="5" presetID="1" presetClass="entr" presetSubtype="0" fill="hold" grpId="0" nodeType="clickEffect">
+                                  <p:stCondLst>
+                                    <p:cond delay="0"/>
+                                  </p:stCondLst>
+                                  <p:childTnLst>
+                                    <p:set>
+                                      <p:cBhvr>
+                                        <p:cTn id="6" dur="1" fill="hold">
+                                          <p:stCondLst>
+                                            <p:cond delay="0"/>
+                                          </p:stCondLst>
+                                        </p:cTn>
+                                        <p:tgtEl>
+                                          <p:spTgt spid="4"/>
+                                        </p:tgtEl>
+                                        <p:attrNameLst>
+                                          <p:attrName>style.visibility</p:attrName>
+                                        </p:attrNameLst>
+                                      </p:cBhvr>
+                                      <p:to>
+                                        <p:strVal val="visible"/>
+                                      </p:to>
+                                    </p:set>
+                                  </p:childTnLst>
+                                </p:cTn>
+                              </p:par>
+                            </p:childTnLst>
+                          </p:cTn>
+                        </p:par>
+                      </p:childTnLst>
+                    </p:cTn>
+                  </p:par>
+                  <p:par>
+                    <p:cTn id="7" fill="hold">
+                      <p:stCondLst>
+                        <p:cond delay="indefinite"/>
+                      </p:stCondLst>
+                      <p:childTnLst>
+                        <p:par>
+                          <p:cTn id="8" fill="hold">
+                            <p:stCondLst>
+                              <p:cond delay="0"/>
+                            </p:stCondLst>
+                            <p:childTnLst>
+                              <p:par>
+                                <p:cTn id="9" presetID="1" presetClass="entr" presetSubtype="0" fill="hold" nodeType="clickEffect">
+                                  <p:stCondLst>
+                                    <p:cond delay="0"/>
+                                  </p:stCondLst>
+                                  <p:childTnLst>
+                                    <p:set>
+                                      <p:cBhvr>
+                                        <p:cTn id="10" dur="1" fill="hold">
+                                          <p:stCondLst>
+                                            <p:cond delay="0"/>
+                                          </p:stCondLst>
+                                        </p:cTn>
+                                        <p:tgtEl>
+                                          <p:spTgt spid="3"/>
+                                        </p:tgtEl>
+                                        <p:attrNameLst>
+                                          <p:attrName>style.visibility</p:attrName>
+                                        </p:attrNameLst>
+                                      </p:cBhvr>
+                                      <p:to>
+                                        <p:strVal val="visible"/>
+                                      </p:to>
+                                    </p:set>
+                                  </p:childTnLst>
+                                </p:cTn>
+                              </p:par>
+                            </p:childTnLst>
+                          </p:cTn>
+                        </p:par>
+                      </p:childTnLst>
+                    </p:cTn>
+                  </p:par>
+                  <p:par>
+                    <p:cTn id="11" fill="hold">
+                      <p:stCondLst>
+                        <p:cond delay="indefinite"/>
+                      </p:stCondLst>
+                      <p:childTnLst>
+                        <p:par>
+                          <p:cTn id="12" fill="hold">
+                            <p:stCondLst>
+                              <p:cond delay="0"/>
+                            </p:stCondLst>
+                            <p:childTnLst>
+                              <p:par>
+                                <p:cTn id="13" presetID="1" presetClass="entr" presetSubtype="0" fill="hold" nodeType="clickEffect">
+                                  <p:stCondLst>
+                                    <p:cond delay="0"/>
+                                  </p:stCondLst>
+                                  <p:childTnLst>
+                                    <p:set>
+                                      <p:cBhvr>
+                                        <p:cTn id="14" dur="1" fill="hold">
+                                          <p:stCondLst>
+                                            <p:cond delay="0"/>
+                                          </p:stCondLst>
+                                        </p:cTn>
+                                        <p:tgtEl>
+                                          <p:spTgt spid="2050"/>
+                                        </p:tgtEl>
+                                        <p:attrNameLst>
+                                          <p:attrName>style.visibility</p:attrName>
+                                        </p:attrNameLst>
+                                      </p:cBhvr>
+                                      <p:to>
+                                        <p:strVal val="visible"/>
+                                      </p:to>
+                                    </p:set>
+                                  </p:childTnLst>
+                                </p:cTn>
+                              </p:par>
+                            </p:childTnLst>
+                          </p:cTn>
+                        </p:par>
+                      </p:childTnLst>
+                    </p:cTn>
+                  </p:par>
+                </p:childTnLst>
+              </p:cTn>
+              <p:prevCondLst>
+                <p:cond evt="onPrev" delay="0">
+                  <p:tgtEl>
+                    <p:sldTgt/>
+                  </p:tgtEl>
+                </p:cond>
+              </p:prevCondLst>
+              <p:nextCondLst>
+                <p:cond evt="onNext" delay="0">
+                  <p:tgtEl>
+                    <p:sldTgt/>
+                  </p:tgtEl>
+                </p:cond>
+              </p:nextCondLst>
+            </p:seq>
+          </p:childTnLst>
+        </p:cTn>
+      </p:par>
+    </p:tnLst>
+    <p:bldLst>
+      <p:bldP spid="4" grpId="0"/>
+    </p:bldLst>
+  </p:timing>
+</p:sld>
+</file>
+
+<file path=ppt/slides/slide7.xml><?xml version="1.0" encoding="utf-8"?>
+<p:sld xmlns:a="http://schemas.openxmlformats.org/drawingml/2006/main" xmlns:r="http://schemas.openxmlformats.org/officeDocument/2006/relationships" xmlns:p="http://schemas.openxmlformats.org/presentationml/2006/main">
+  <p:cSld>
+    <p:spTree>
+      <p:nvGrpSpPr>
+        <p:cNvPr id="1" name=""/>
+        <p:cNvGrpSpPr/>
+        <p:nvPr/>
+      </p:nvGrpSpPr>
+      <p:grpSpPr>
+        <a:xfrm>
+          <a:off x="0" y="0"/>
+          <a:ext cx="0" cy="0"/>
+          <a:chOff x="0" y="0"/>
+          <a:chExt cx="0" cy="0"/>
+        </a:xfrm>
+      </p:grpSpPr>
+      <p:sp>
+        <p:nvSpPr>
+          <p:cNvPr id="4" name="Прямоугольник 3">
+            <a:extLst>
+              <a:ext uri="{FF2B5EF4-FFF2-40B4-BE49-F238E27FC236}">
+                <a16:creationId xmlns:a16="http://schemas.microsoft.com/office/drawing/2014/main" id="{76CE3ACE-E92E-4A92-BF4B-2A7CE4E26C6E}"/>
+              </a:ext>
+            </a:extLst>
+          </p:cNvPr>
+          <p:cNvSpPr/>
+          <p:nvPr/>
+        </p:nvSpPr>
+        <p:spPr>
+          <a:xfrm>
+            <a:off x="9452238" y="0"/>
+            <a:ext cx="2408032" cy="830997"/>
+          </a:xfrm>
+          <a:prstGeom prst="rect">
+            <a:avLst/>
+          </a:prstGeom>
+        </p:spPr>
+        <p:txBody>
+          <a:bodyPr wrap="none">
+            <a:spAutoFit/>
+          </a:bodyPr>
+          <a:lstStyle/>
+          <a:p>
+            <a:r>
+              <a:rPr lang="ru-RU" sz="4800" b="1" dirty="0">
+                <a:solidFill>
+                  <a:srgbClr val="FF0000"/>
+                </a:solidFill>
+                <a:latin typeface="Yandex Sans Text Light" panose="02000000000000000000" pitchFamily="2" charset="-52"/>
+              </a:rPr>
+              <a:t>Словарь</a:t>
+            </a:r>
+            <a:endParaRPr lang="ru-RU" sz="4800" b="1" dirty="0">
+              <a:solidFill>
+                <a:srgbClr val="FF0000"/>
+              </a:solidFill>
+            </a:endParaRPr>
+          </a:p>
+        </p:txBody>
+      </p:sp>
+      <p:pic>
+        <p:nvPicPr>
+          <p:cNvPr id="1028" name="Picture 4" descr="https://avatars.mds.yandex.net/i?id=b1242c8f33519017ba9776bd1567ebbc2a5e9454-5173466-images-thumbs&amp;n=13">
+            <a:extLst>
+              <a:ext uri="{FF2B5EF4-FFF2-40B4-BE49-F238E27FC236}">
+                <a16:creationId xmlns:a16="http://schemas.microsoft.com/office/drawing/2014/main" id="{7E97C881-E1E3-4EE9-A3F1-7F73A083313B}"/>
+              </a:ext>
+            </a:extLst>
+          </p:cNvPr>
+          <p:cNvPicPr>
+            <a:picLocks noChangeAspect="1" noChangeArrowheads="1"/>
+          </p:cNvPicPr>
+          <p:nvPr/>
+        </p:nvPicPr>
+        <p:blipFill rotWithShape="1">
+          <a:blip r:embed="rId2">
+            <a:extLst>
+              <a:ext uri="{28A0092B-C50C-407E-A947-70E740481C1C}">
+                <a14:useLocalDpi xmlns:a14="http://schemas.microsoft.com/office/drawing/2010/main" val="0"/>
+              </a:ext>
+            </a:extLst>
+          </a:blip>
+          <a:srcRect l="13001" t="14781" r="14529" b="15885"/>
+          <a:stretch/>
+        </p:blipFill>
+        <p:spPr bwMode="auto">
+          <a:xfrm>
+            <a:off x="347471" y="1207008"/>
+            <a:ext cx="8869416" cy="4773168"/>
+          </a:xfrm>
+          <a:prstGeom prst="rect">
+            <a:avLst/>
+          </a:prstGeom>
+          <a:noFill/>
+          <a:extLst>
+            <a:ext uri="{909E8E84-426E-40DD-AFC4-6F175D3DCCD1}">
+              <a14:hiddenFill xmlns:a14="http://schemas.microsoft.com/office/drawing/2010/main">
+                <a:solidFill>
+                  <a:srgbClr val="FFFFFF"/>
+                </a:solidFill>
+              </a14:hiddenFill>
+            </a:ext>
+          </a:extLst>
+        </p:spPr>
+      </p:pic>
+    </p:spTree>
+    <p:extLst>
+      <p:ext uri="{BB962C8B-B14F-4D97-AF65-F5344CB8AC3E}">
+        <p14:creationId xmlns:p14="http://schemas.microsoft.com/office/powerpoint/2010/main" val="3861001316"/>
+      </p:ext>
+    </p:extLst>
+  </p:cSld>
+  <p:clrMapOvr>
+    <a:masterClrMapping/>
+  </p:clrMapOvr>
+  <p:timing>
+    <p:tnLst>
+      <p:par>
+        <p:cTn id="1" dur="indefinite" restart="never" nodeType="tmRoot">
+          <p:childTnLst>
+            <p:seq concurrent="1" nextAc="seek">
+              <p:cTn id="2" dur="indefinite" nodeType="mainSeq">
+                <p:childTnLst>
+                  <p:par>
+                    <p:cTn id="3" fill="hold">
+                      <p:stCondLst>
+                        <p:cond delay="indefinite"/>
+                      </p:stCondLst>
+                      <p:childTnLst>
+                        <p:par>
+                          <p:cTn id="4" fill="hold">
+                            <p:stCondLst>
+                              <p:cond delay="0"/>
+                            </p:stCondLst>
+                            <p:childTnLst>
+                              <p:par>
+                                <p:cTn id="5" presetID="1" presetClass="entr" presetSubtype="0" fill="hold" grpId="0" nodeType="clickEffect">
+                                  <p:stCondLst>
+                                    <p:cond delay="0"/>
+                                  </p:stCondLst>
+                                  <p:childTnLst>
+                                    <p:set>
+                                      <p:cBhvr>
+                                        <p:cTn id="6" dur="1" fill="hold">
+                                          <p:stCondLst>
+                                            <p:cond delay="0"/>
+                                          </p:stCondLst>
+                                        </p:cTn>
+                                        <p:tgtEl>
+                                          <p:spTgt spid="4"/>
+                                        </p:tgtEl>
+                                        <p:attrNameLst>
+                                          <p:attrName>style.visibility</p:attrName>
+                                        </p:attrNameLst>
+                                      </p:cBhvr>
+                                      <p:to>
+                                        <p:strVal val="visible"/>
+                                      </p:to>
+                                    </p:set>
+                                  </p:childTnLst>
+                                </p:cTn>
+                              </p:par>
+                            </p:childTnLst>
+                          </p:cTn>
+                        </p:par>
+                      </p:childTnLst>
+                    </p:cTn>
+                  </p:par>
+                </p:childTnLst>
+              </p:cTn>
+              <p:prevCondLst>
+                <p:cond evt="onPrev" delay="0">
+                  <p:tgtEl>
+                    <p:sldTgt/>
+                  </p:tgtEl>
+                </p:cond>
+              </p:prevCondLst>
+              <p:nextCondLst>
+                <p:cond evt="onNext" delay="0">
+                  <p:tgtEl>
+                    <p:sldTgt/>
+                  </p:tgtEl>
+                </p:cond>
+              </p:nextCondLst>
+            </p:seq>
+          </p:childTnLst>
+        </p:cTn>
+      </p:par>
+    </p:tnLst>
+    <p:bldLst>
+      <p:bldP spid="4" grpId="0"/>
+    </p:bldLst>
+  </p:timing>
+</p:sld>
+</file>
+
+<file path=ppt/slides/slide8.xml><?xml version="1.0" encoding="utf-8"?>
+<p:sld xmlns:a="http://schemas.openxmlformats.org/drawingml/2006/main" xmlns:r="http://schemas.openxmlformats.org/officeDocument/2006/relationships" xmlns:p="http://schemas.openxmlformats.org/presentationml/2006/main">
+  <p:cSld>
+    <p:spTree>
+      <p:nvGrpSpPr>
+        <p:cNvPr id="1" name=""/>
+        <p:cNvGrpSpPr/>
+        <p:nvPr/>
+      </p:nvGrpSpPr>
+      <p:grpSpPr>
+        <a:xfrm>
+          <a:off x="0" y="0"/>
+          <a:ext cx="0" cy="0"/>
+          <a:chOff x="0" y="0"/>
+          <a:chExt cx="0" cy="0"/>
+        </a:xfrm>
+      </p:grpSpPr>
+      <p:sp>
+        <p:nvSpPr>
+          <p:cNvPr id="4" name="Прямоугольник 3">
+            <a:extLst>
+              <a:ext uri="{FF2B5EF4-FFF2-40B4-BE49-F238E27FC236}">
+                <a16:creationId xmlns:a16="http://schemas.microsoft.com/office/drawing/2014/main" id="{76CE3ACE-E92E-4A92-BF4B-2A7CE4E26C6E}"/>
+              </a:ext>
+            </a:extLst>
+          </p:cNvPr>
+          <p:cNvSpPr/>
+          <p:nvPr/>
+        </p:nvSpPr>
+        <p:spPr>
+          <a:xfrm>
+            <a:off x="9452238" y="0"/>
+            <a:ext cx="2408032" cy="830997"/>
+          </a:xfrm>
+          <a:prstGeom prst="rect">
+            <a:avLst/>
+          </a:prstGeom>
+        </p:spPr>
+        <p:txBody>
+          <a:bodyPr wrap="none">
+            <a:spAutoFit/>
+          </a:bodyPr>
+          <a:lstStyle/>
+          <a:p>
+            <a:r>
+              <a:rPr lang="ru-RU" sz="4800" b="1" dirty="0">
+                <a:solidFill>
+                  <a:srgbClr val="FF0000"/>
+                </a:solidFill>
+                <a:latin typeface="Yandex Sans Text Light" panose="02000000000000000000" pitchFamily="2" charset="-52"/>
+              </a:rPr>
+              <a:t>Словарь</a:t>
+            </a:r>
+            <a:endParaRPr lang="ru-RU" sz="4800" b="1" dirty="0">
+              <a:solidFill>
+                <a:srgbClr val="FF0000"/>
+              </a:solidFill>
+            </a:endParaRPr>
+          </a:p>
+        </p:txBody>
+      </p:sp>
+      <p:pic>
+        <p:nvPicPr>
+          <p:cNvPr id="2050" name="Picture 2" descr="Python Dictionary Methods with Examples">
+            <a:extLst>
+              <a:ext uri="{FF2B5EF4-FFF2-40B4-BE49-F238E27FC236}">
+                <a16:creationId xmlns:a16="http://schemas.microsoft.com/office/drawing/2014/main" id="{C9C20EB3-014A-4853-ACA1-BB0AA537C9B9}"/>
+              </a:ext>
+            </a:extLst>
+          </p:cNvPr>
+          <p:cNvPicPr>
+            <a:picLocks noChangeAspect="1" noChangeArrowheads="1"/>
+          </p:cNvPicPr>
+          <p:nvPr/>
+        </p:nvPicPr>
+        <p:blipFill rotWithShape="1">
+          <a:blip r:embed="rId2">
+            <a:extLst>
+              <a:ext uri="{28A0092B-C50C-407E-A947-70E740481C1C}">
+                <a14:useLocalDpi xmlns:a14="http://schemas.microsoft.com/office/drawing/2010/main" val="0"/>
+              </a:ext>
+            </a:extLst>
+          </a:blip>
+          <a:srcRect t="12917" b="7200"/>
+          <a:stretch/>
+        </p:blipFill>
+        <p:spPr bwMode="auto">
+          <a:xfrm>
+            <a:off x="929639" y="182326"/>
+            <a:ext cx="6502873" cy="6493348"/>
+          </a:xfrm>
+          <a:prstGeom prst="rect">
+            <a:avLst/>
+          </a:prstGeom>
+          <a:noFill/>
+          <a:extLst>
+            <a:ext uri="{909E8E84-426E-40DD-AFC4-6F175D3DCCD1}">
+              <a14:hiddenFill xmlns:a14="http://schemas.microsoft.com/office/drawing/2010/main">
+                <a:solidFill>
+                  <a:srgbClr val="FFFFFF"/>
+                </a:solidFill>
+              </a14:hiddenFill>
+            </a:ext>
+          </a:extLst>
+        </p:spPr>
+      </p:pic>
+    </p:spTree>
+    <p:extLst>
+      <p:ext uri="{BB962C8B-B14F-4D97-AF65-F5344CB8AC3E}">
+        <p14:creationId xmlns:p14="http://schemas.microsoft.com/office/powerpoint/2010/main" val="3153544976"/>
+      </p:ext>
+    </p:extLst>
+  </p:cSld>
+  <p:clrMapOvr>
+    <a:masterClrMapping/>
+  </p:clrMapOvr>
+  <p:timing>
+    <p:tnLst>
+      <p:par>
+        <p:cTn id="1" dur="indefinite" restart="never" nodeType="tmRoot">
+          <p:childTnLst>
+            <p:seq concurrent="1" nextAc="seek">
+              <p:cTn id="2" dur="indefinite" nodeType="mainSeq">
+                <p:childTnLst>
+                  <p:par>
+                    <p:cTn id="3" fill="hold">
+                      <p:stCondLst>
+                        <p:cond delay="indefinite"/>
+                      </p:stCondLst>
+                      <p:childTnLst>
+                        <p:par>
+                          <p:cTn id="4" fill="hold">
+                            <p:stCondLst>
+                              <p:cond delay="0"/>
+                            </p:stCondLst>
+                            <p:childTnLst>
+                              <p:par>
+                                <p:cTn id="5" presetID="1" presetClass="entr" presetSubtype="0" fill="hold" grpId="0" nodeType="clickEffect">
+                                  <p:stCondLst>
+                                    <p:cond delay="0"/>
+                                  </p:stCondLst>
+                                  <p:childTnLst>
+                                    <p:set>
+                                      <p:cBhvr>
+                                        <p:cTn id="6" dur="1" fill="hold">
+                                          <p:stCondLst>
+                                            <p:cond delay="0"/>
+                                          </p:stCondLst>
+                                        </p:cTn>
+                                        <p:tgtEl>
+                                          <p:spTgt spid="4"/>
+                                        </p:tgtEl>
+                                        <p:attrNameLst>
+                                          <p:attrName>style.visibility</p:attrName>
+                                        </p:attrNameLst>
+                                      </p:cBhvr>
+                                      <p:to>
+                                        <p:strVal val="visible"/>
+                                      </p:to>
+                                    </p:set>
+                                  </p:childTnLst>
+                                </p:cTn>
+                              </p:par>
+                            </p:childTnLst>
+                          </p:cTn>
+                        </p:par>
+                      </p:childTnLst>
+                    </p:cTn>
+                  </p:par>
+                </p:childTnLst>
+              </p:cTn>
+              <p:prevCondLst>
+                <p:cond evt="onPrev" delay="0">
+                  <p:tgtEl>
+                    <p:sldTgt/>
+                  </p:tgtEl>
+                </p:cond>
+              </p:prevCondLst>
+              <p:nextCondLst>
+                <p:cond evt="onNext" delay="0">
+                  <p:tgtEl>
+                    <p:sldTgt/>
+                  </p:tgtEl>
+                </p:cond>
+              </p:nextCondLst>
+            </p:seq>
+          </p:childTnLst>
+        </p:cTn>
+      </p:par>
+    </p:tnLst>
+    <p:bldLst>
+      <p:bldP spid="4" grpId="0"/>
+    </p:bldLst>
+  </p:timing>
+</p:sld>
+</file>
+
+<file path=ppt/slides/slide9.xml><?xml version="1.0" encoding="utf-8"?>
 <p:sld xmlns:a="http://schemas.openxmlformats.org/drawingml/2006/main" xmlns:r="http://schemas.openxmlformats.org/officeDocument/2006/relationships" xmlns:p="http://schemas.openxmlformats.org/presentationml/2006/main">
   <p:cSld>
     <p:spTree>
@@ -28532,215 +29955,6 @@
         <p14:creationId xmlns:p14="http://schemas.microsoft.com/office/powerpoint/2010/main" val="949119944"/>
       </p:ext>
     </p:extLst>
-  </p:cSld>
-  <p:clrMapOvr>
-    <a:masterClrMapping/>
-  </p:clrMapOvr>
-</p:sld>
-</file>
-
-<file path=ppt/slides/slide7.xml><?xml version="1.0" encoding="utf-8"?>
-<p:sld xmlns:a="http://schemas.openxmlformats.org/drawingml/2006/main" xmlns:r="http://schemas.openxmlformats.org/officeDocument/2006/relationships" xmlns:p="http://schemas.openxmlformats.org/presentationml/2006/main">
-  <p:cSld>
-    <p:spTree>
-      <p:nvGrpSpPr>
-        <p:cNvPr id="1" name=""/>
-        <p:cNvGrpSpPr/>
-        <p:nvPr/>
-      </p:nvGrpSpPr>
-      <p:grpSpPr>
-        <a:xfrm>
-          <a:off x="0" y="0"/>
-          <a:ext cx="0" cy="0"/>
-          <a:chOff x="0" y="0"/>
-          <a:chExt cx="0" cy="0"/>
-        </a:xfrm>
-      </p:grpSpPr>
-      <p:pic>
-        <p:nvPicPr>
-          <p:cNvPr id="3074" name="Picture 2" descr="Python: коллекции, часть 1/4: классификация, общие подходы и методы,  конвертация / Хабр">
-            <a:extLst>
-              <a:ext uri="{FF2B5EF4-FFF2-40B4-BE49-F238E27FC236}">
-                <a16:creationId xmlns:a16="http://schemas.microsoft.com/office/drawing/2014/main" id="{B0C61D14-0827-43C2-B2A0-A500D0EDC426}"/>
-              </a:ext>
-            </a:extLst>
-          </p:cNvPr>
-          <p:cNvPicPr>
-            <a:picLocks noChangeAspect="1" noChangeArrowheads="1"/>
-          </p:cNvPicPr>
-          <p:nvPr/>
-        </p:nvPicPr>
-        <p:blipFill rotWithShape="1">
-          <a:blip r:embed="rId2">
-            <a:extLst>
-              <a:ext uri="{28A0092B-C50C-407E-A947-70E740481C1C}">
-                <a14:useLocalDpi xmlns:a14="http://schemas.microsoft.com/office/drawing/2010/main" val="0"/>
-              </a:ext>
-            </a:extLst>
-          </a:blip>
-          <a:srcRect l="1105" t="10422" r="1043" b="1814"/>
-          <a:stretch/>
-        </p:blipFill>
-        <p:spPr bwMode="auto">
-          <a:xfrm>
-            <a:off x="516047" y="903083"/>
-            <a:ext cx="8891227" cy="5051834"/>
-          </a:xfrm>
-          <a:prstGeom prst="rect">
-            <a:avLst/>
-          </a:prstGeom>
-          <a:ln>
-            <a:noFill/>
-          </a:ln>
-          <a:effectLst>
-            <a:outerShdw blurRad="292100" dist="139700" dir="2700000" algn="tl" rotWithShape="0">
-              <a:srgbClr val="333333">
-                <a:alpha val="65000"/>
-              </a:srgbClr>
-            </a:outerShdw>
-          </a:effectLst>
-          <a:extLst>
-            <a:ext uri="{909E8E84-426E-40DD-AFC4-6F175D3DCCD1}">
-              <a14:hiddenFill xmlns:a14="http://schemas.microsoft.com/office/drawing/2010/main">
-                <a:solidFill>
-                  <a:srgbClr val="FFFFFF"/>
-                </a:solidFill>
-              </a14:hiddenFill>
-            </a:ext>
-          </a:extLst>
-        </p:spPr>
-      </p:pic>
-    </p:spTree>
-    <p:extLst>
-      <p:ext uri="{BB962C8B-B14F-4D97-AF65-F5344CB8AC3E}">
-        <p14:creationId xmlns:p14="http://schemas.microsoft.com/office/powerpoint/2010/main" val="4198075388"/>
-      </p:ext>
-    </p:extLst>
-  </p:cSld>
-  <p:clrMapOvr>
-    <a:masterClrMapping/>
-  </p:clrMapOvr>
-</p:sld>
-</file>
-
-<file path=ppt/slides/slide8.xml><?xml version="1.0" encoding="utf-8"?>
-<p:sld xmlns:a="http://schemas.openxmlformats.org/drawingml/2006/main" xmlns:r="http://schemas.openxmlformats.org/officeDocument/2006/relationships" xmlns:p="http://schemas.openxmlformats.org/presentationml/2006/main">
-  <p:cSld>
-    <p:spTree>
-      <p:nvGrpSpPr>
-        <p:cNvPr id="1" name="Shape 347"/>
-        <p:cNvGrpSpPr/>
-        <p:nvPr/>
-      </p:nvGrpSpPr>
-      <p:grpSpPr>
-        <a:xfrm>
-          <a:off x="0" y="0"/>
-          <a:ext cx="0" cy="0"/>
-          <a:chOff x="0" y="0"/>
-          <a:chExt cx="0" cy="0"/>
-        </a:xfrm>
-      </p:grpSpPr>
-      <p:sp>
-        <p:nvSpPr>
-          <p:cNvPr id="348" name="Google Shape;348;p38"/>
-          <p:cNvSpPr txBox="1">
-            <a:spLocks noGrp="1"/>
-          </p:cNvSpPr>
-          <p:nvPr>
-            <p:ph type="title"/>
-          </p:nvPr>
-        </p:nvSpPr>
-        <p:spPr>
-          <a:xfrm>
-            <a:off x="763600" y="2224563"/>
-            <a:ext cx="10515600" cy="2852700"/>
-          </a:xfrm>
-          <a:prstGeom prst="rect">
-            <a:avLst/>
-          </a:prstGeom>
-          <a:noFill/>
-          <a:ln>
-            <a:noFill/>
-          </a:ln>
-        </p:spPr>
-        <p:txBody>
-          <a:bodyPr spcFirstLastPara="1" wrap="square" lIns="91425" tIns="45700" rIns="91425" bIns="45700" anchor="b" anchorCtr="0">
-            <a:normAutofit/>
-          </a:bodyPr>
-          <a:lstStyle/>
-          <a:p>
-            <a:pPr marL="0" lvl="0" indent="0" algn="l" rtl="0">
-              <a:lnSpc>
-                <a:spcPct val="90000"/>
-              </a:lnSpc>
-              <a:spcBef>
-                <a:spcPts val="0"/>
-              </a:spcBef>
-              <a:spcAft>
-                <a:spcPts val="0"/>
-              </a:spcAft>
-              <a:buClr>
-                <a:schemeClr val="lt1"/>
-              </a:buClr>
-              <a:buSzPts val="6000"/>
-              <a:buFont typeface="Calibri"/>
-              <a:buNone/>
-            </a:pPr>
-            <a:r>
-              <a:rPr lang="en-US"/>
-              <a:t>Спасибо за внимание!</a:t>
-            </a:r>
-            <a:endParaRPr/>
-          </a:p>
-        </p:txBody>
-      </p:sp>
-      <p:sp>
-        <p:nvSpPr>
-          <p:cNvPr id="349" name="Google Shape;349;p38"/>
-          <p:cNvSpPr txBox="1">
-            <a:spLocks noGrp="1"/>
-          </p:cNvSpPr>
-          <p:nvPr>
-            <p:ph type="sldNum" idx="12"/>
-          </p:nvPr>
-        </p:nvSpPr>
-        <p:spPr>
-          <a:xfrm>
-            <a:off x="8610600" y="6356350"/>
-            <a:ext cx="2743200" cy="365125"/>
-          </a:xfrm>
-          <a:prstGeom prst="rect">
-            <a:avLst/>
-          </a:prstGeom>
-          <a:noFill/>
-          <a:ln>
-            <a:noFill/>
-          </a:ln>
-        </p:spPr>
-        <p:txBody>
-          <a:bodyPr spcFirstLastPara="1" wrap="square" lIns="91425" tIns="45700" rIns="91425" bIns="45700" anchor="ctr" anchorCtr="0">
-            <a:noAutofit/>
-          </a:bodyPr>
-          <a:lstStyle/>
-          <a:p>
-            <a:pPr marL="0" lvl="0" indent="0" algn="r" rtl="0">
-              <a:spcBef>
-                <a:spcPts val="0"/>
-              </a:spcBef>
-              <a:spcAft>
-                <a:spcPts val="0"/>
-              </a:spcAft>
-              <a:buNone/>
-            </a:pPr>
-            <a:fld id="{00000000-1234-1234-1234-123412341234}" type="slidenum">
-              <a:rPr lang="en-US"/>
-              <a:t>8</a:t>
-            </a:fld>
-            <a:endParaRPr/>
-          </a:p>
-        </p:txBody>
-      </p:sp>
-    </p:spTree>
   </p:cSld>
   <p:clrMapOvr>
     <a:masterClrMapping/>

--- a/m3-3-Методы для работы со структурами данных/present.pptx
+++ b/m3-3-Методы для работы со структурами данных/present.pptx
@@ -5,7 +5,7 @@
     <p:sldMasterId id="2147483670" r:id="rId1"/>
   </p:sldMasterIdLst>
   <p:notesMasterIdLst>
-    <p:notesMasterId r:id="rId14"/>
+    <p:notesMasterId r:id="rId13"/>
   </p:notesMasterIdLst>
   <p:sldIdLst>
     <p:sldId id="256" r:id="rId2"/>
@@ -18,23 +18,22 @@
     <p:sldId id="447" r:id="rId9"/>
     <p:sldId id="437" r:id="rId10"/>
     <p:sldId id="439" r:id="rId11"/>
-    <p:sldId id="400" r:id="rId12"/>
-    <p:sldId id="270" r:id="rId13"/>
+    <p:sldId id="270" r:id="rId12"/>
   </p:sldIdLst>
   <p:sldSz cx="12192000" cy="6858000"/>
   <p:notesSz cx="6858000" cy="9144000"/>
   <p:embeddedFontLst>
     <p:embeddedFont>
       <p:font typeface="Calibri" panose="020F0502020204030204" pitchFamily="34" charset="0"/>
-      <p:regular r:id="rId15"/>
-      <p:bold r:id="rId16"/>
-      <p:italic r:id="rId17"/>
-      <p:boldItalic r:id="rId18"/>
+      <p:regular r:id="rId14"/>
+      <p:bold r:id="rId15"/>
+      <p:italic r:id="rId16"/>
+      <p:boldItalic r:id="rId17"/>
     </p:embeddedFont>
     <p:embeddedFont>
       <p:font typeface="Gill Sans" panose="020B0604020202020204" charset="0"/>
-      <p:regular r:id="rId19"/>
-      <p:bold r:id="rId20"/>
+      <p:regular r:id="rId18"/>
+      <p:bold r:id="rId19"/>
     </p:embeddedFont>
   </p:embeddedFontLst>
   <p:defaultTextStyle>
@@ -1861,7 +1860,7 @@
             </a:pPr>
             <a:fld id="{00000000-1234-1234-1234-123412341234}" type="slidenum">
               <a:rPr lang="en-US"/>
-              <a:t>12</a:t>
+              <a:t>11</a:t>
             </a:fld>
             <a:endParaRPr/>
           </a:p>
@@ -27062,398 +27061,6 @@
   <p:cSld>
     <p:spTree>
       <p:nvGrpSpPr>
-        <p:cNvPr id="1" name=""/>
-        <p:cNvGrpSpPr/>
-        <p:nvPr/>
-      </p:nvGrpSpPr>
-      <p:grpSpPr>
-        <a:xfrm>
-          <a:off x="0" y="0"/>
-          <a:ext cx="0" cy="0"/>
-          <a:chOff x="0" y="0"/>
-          <a:chExt cx="0" cy="0"/>
-        </a:xfrm>
-      </p:grpSpPr>
-      <p:sp>
-        <p:nvSpPr>
-          <p:cNvPr id="3" name="Заголовок 2">
-            <a:extLst>
-              <a:ext uri="{FF2B5EF4-FFF2-40B4-BE49-F238E27FC236}">
-                <a16:creationId xmlns:a16="http://schemas.microsoft.com/office/drawing/2014/main" id="{CCAC887C-F0F9-481C-BD99-E0D38EF45C8E}"/>
-              </a:ext>
-            </a:extLst>
-          </p:cNvPr>
-          <p:cNvSpPr>
-            <a:spLocks noGrp="1"/>
-          </p:cNvSpPr>
-          <p:nvPr>
-            <p:ph type="title"/>
-          </p:nvPr>
-        </p:nvSpPr>
-        <p:spPr>
-          <a:xfrm>
-            <a:off x="175846" y="140600"/>
-            <a:ext cx="9835661" cy="597954"/>
-          </a:xfrm>
-          <a:solidFill>
-            <a:srgbClr val="FFFF00"/>
-          </a:solidFill>
-        </p:spPr>
-        <p:txBody>
-          <a:bodyPr>
-            <a:normAutofit fontScale="90000"/>
-          </a:bodyPr>
-          <a:lstStyle/>
-          <a:p>
-            <a:r>
-              <a:rPr lang="ru-RU" dirty="0">
-                <a:latin typeface="Yandex Sans Text Light" panose="02000000000000000000" pitchFamily="2" charset="-52"/>
-              </a:rPr>
-              <a:t>Вложенные списки</a:t>
-            </a:r>
-            <a:br>
-              <a:rPr lang="ru-RU" dirty="0">
-                <a:latin typeface="Yandex Sans Text Light" panose="02000000000000000000" pitchFamily="2" charset="-52"/>
-              </a:rPr>
-            </a:br>
-            <a:endParaRPr lang="ru-RU" dirty="0">
-              <a:latin typeface="Yandex Sans Text Light" panose="02000000000000000000" pitchFamily="2" charset="-52"/>
-            </a:endParaRPr>
-          </a:p>
-        </p:txBody>
-      </p:sp>
-      <p:pic>
-        <p:nvPicPr>
-          <p:cNvPr id="4" name="Рисунок 3" descr="https://proproprogs.ru/htm/python_base/files/python3-vlozhennye-spiski-mnogomernye-spiski.files/image002.jpg">
-            <a:extLst>
-              <a:ext uri="{FF2B5EF4-FFF2-40B4-BE49-F238E27FC236}">
-                <a16:creationId xmlns:a16="http://schemas.microsoft.com/office/drawing/2014/main" id="{0951CCAD-0F5A-415E-9479-44DD0D347E1A}"/>
-              </a:ext>
-            </a:extLst>
-          </p:cNvPr>
-          <p:cNvPicPr/>
-          <p:nvPr/>
-        </p:nvPicPr>
-        <p:blipFill>
-          <a:blip r:embed="rId2">
-            <a:extLst>
-              <a:ext uri="{28A0092B-C50C-407E-A947-70E740481C1C}">
-                <a14:useLocalDpi xmlns:a14="http://schemas.microsoft.com/office/drawing/2010/main" val="0"/>
-              </a:ext>
-            </a:extLst>
-          </a:blip>
-          <a:srcRect/>
-          <a:stretch>
-            <a:fillRect/>
-          </a:stretch>
-        </p:blipFill>
-        <p:spPr bwMode="auto">
-          <a:xfrm>
-            <a:off x="3511328" y="1967444"/>
-            <a:ext cx="6939525" cy="3337194"/>
-          </a:xfrm>
-          <a:prstGeom prst="rect">
-            <a:avLst/>
-          </a:prstGeom>
-          <a:noFill/>
-          <a:ln>
-            <a:noFill/>
-          </a:ln>
-        </p:spPr>
-      </p:pic>
-      <p:sp>
-        <p:nvSpPr>
-          <p:cNvPr id="6" name="Прямоугольник 5">
-            <a:extLst>
-              <a:ext uri="{FF2B5EF4-FFF2-40B4-BE49-F238E27FC236}">
-                <a16:creationId xmlns:a16="http://schemas.microsoft.com/office/drawing/2014/main" id="{EF3D2E61-30E7-47F5-91A3-35CE02AC99F5}"/>
-              </a:ext>
-            </a:extLst>
-          </p:cNvPr>
-          <p:cNvSpPr/>
-          <p:nvPr/>
-        </p:nvSpPr>
-        <p:spPr>
-          <a:xfrm>
-            <a:off x="586153" y="949569"/>
-            <a:ext cx="9425354" cy="369332"/>
-          </a:xfrm>
-          <a:prstGeom prst="rect">
-            <a:avLst/>
-          </a:prstGeom>
-        </p:spPr>
-        <p:txBody>
-          <a:bodyPr wrap="square">
-            <a:spAutoFit/>
-          </a:bodyPr>
-          <a:lstStyle/>
-          <a:p>
-            <a:r>
-              <a:rPr lang="en-US" dirty="0" err="1"/>
-              <a:t>img</a:t>
-            </a:r>
-            <a:r>
-              <a:rPr lang="en-US" dirty="0"/>
-              <a:t> = [[1, 7, 6, 11, 3], [1, 7, 6, 11, 3], [1, 7, 6, 11, 3], [1, 7, 6, 11, 3], [1, 7, 6, 11, 3]]</a:t>
-            </a:r>
-            <a:endParaRPr lang="ru-RU" dirty="0"/>
-          </a:p>
-        </p:txBody>
-      </p:sp>
-      <p:sp>
-        <p:nvSpPr>
-          <p:cNvPr id="8" name="Прямоугольник 7">
-            <a:extLst>
-              <a:ext uri="{FF2B5EF4-FFF2-40B4-BE49-F238E27FC236}">
-                <a16:creationId xmlns:a16="http://schemas.microsoft.com/office/drawing/2014/main" id="{6AB32745-63AB-48A7-B3DC-E4146E2FBFD5}"/>
-              </a:ext>
-            </a:extLst>
-          </p:cNvPr>
-          <p:cNvSpPr/>
-          <p:nvPr/>
-        </p:nvSpPr>
-        <p:spPr>
-          <a:xfrm>
-            <a:off x="3335483" y="5884985"/>
-            <a:ext cx="6372257" cy="461665"/>
-          </a:xfrm>
-          <a:prstGeom prst="rect">
-            <a:avLst/>
-          </a:prstGeom>
-        </p:spPr>
-        <p:txBody>
-          <a:bodyPr wrap="none">
-            <a:spAutoFit/>
-          </a:bodyPr>
-          <a:lstStyle/>
-          <a:p>
-            <a:r>
-              <a:rPr lang="en-US" sz="2400" dirty="0" err="1"/>
-              <a:t>img</a:t>
-            </a:r>
-            <a:r>
-              <a:rPr lang="en-US" sz="2400" dirty="0"/>
-              <a:t> = [line[:], line[:], line[:], line[:], line[:]]</a:t>
-            </a:r>
-            <a:endParaRPr lang="ru-RU" sz="2400" dirty="0"/>
-          </a:p>
-        </p:txBody>
-      </p:sp>
-      <p:pic>
-        <p:nvPicPr>
-          <p:cNvPr id="9" name="Рисунок 8" descr="https://proproprogs.ru/htm/python_base/files/python3-vlozhennye-spiski-mnogomernye-spiski.files/image001.jpg">
-            <a:extLst>
-              <a:ext uri="{FF2B5EF4-FFF2-40B4-BE49-F238E27FC236}">
-                <a16:creationId xmlns:a16="http://schemas.microsoft.com/office/drawing/2014/main" id="{B94DADFF-ACE1-40D9-8D92-F927291CD5A4}"/>
-              </a:ext>
-            </a:extLst>
-          </p:cNvPr>
-          <p:cNvPicPr/>
-          <p:nvPr/>
-        </p:nvPicPr>
-        <p:blipFill>
-          <a:blip r:embed="rId3">
-            <a:extLst>
-              <a:ext uri="{28A0092B-C50C-407E-A947-70E740481C1C}">
-                <a14:useLocalDpi xmlns:a14="http://schemas.microsoft.com/office/drawing/2010/main" val="0"/>
-              </a:ext>
-            </a:extLst>
-          </a:blip>
-          <a:srcRect/>
-          <a:stretch>
-            <a:fillRect/>
-          </a:stretch>
-        </p:blipFill>
-        <p:spPr bwMode="auto">
-          <a:xfrm>
-            <a:off x="488927" y="1628530"/>
-            <a:ext cx="2504440" cy="2616200"/>
-          </a:xfrm>
-          <a:prstGeom prst="rect">
-            <a:avLst/>
-          </a:prstGeom>
-          <a:noFill/>
-          <a:ln>
-            <a:noFill/>
-          </a:ln>
-        </p:spPr>
-      </p:pic>
-      <p:sp>
-        <p:nvSpPr>
-          <p:cNvPr id="11" name="Прямоугольник 10">
-            <a:extLst>
-              <a:ext uri="{FF2B5EF4-FFF2-40B4-BE49-F238E27FC236}">
-                <a16:creationId xmlns:a16="http://schemas.microsoft.com/office/drawing/2014/main" id="{201ADF0D-FA6C-4699-9E65-4E22537C7057}"/>
-              </a:ext>
-            </a:extLst>
-          </p:cNvPr>
-          <p:cNvSpPr/>
-          <p:nvPr/>
-        </p:nvSpPr>
-        <p:spPr>
-          <a:xfrm>
-            <a:off x="385610" y="5044804"/>
-            <a:ext cx="2347117" cy="369332"/>
-          </a:xfrm>
-          <a:prstGeom prst="rect">
-            <a:avLst/>
-          </a:prstGeom>
-        </p:spPr>
-        <p:txBody>
-          <a:bodyPr wrap="none">
-            <a:spAutoFit/>
-          </a:bodyPr>
-          <a:lstStyle/>
-          <a:p>
-            <a:r>
-              <a:rPr lang="en-US" dirty="0"/>
-              <a:t>line = [1, 7, 6, 11, 3]</a:t>
-            </a:r>
-            <a:endParaRPr lang="ru-RU" dirty="0"/>
-          </a:p>
-        </p:txBody>
-      </p:sp>
-    </p:spTree>
-    <p:extLst>
-      <p:ext uri="{BB962C8B-B14F-4D97-AF65-F5344CB8AC3E}">
-        <p14:creationId xmlns:p14="http://schemas.microsoft.com/office/powerpoint/2010/main" val="4202989652"/>
-      </p:ext>
-    </p:extLst>
-  </p:cSld>
-  <p:clrMapOvr>
-    <a:masterClrMapping/>
-  </p:clrMapOvr>
-  <p:timing>
-    <p:tnLst>
-      <p:par>
-        <p:cTn id="1" dur="indefinite" restart="never" nodeType="tmRoot">
-          <p:childTnLst>
-            <p:seq concurrent="1" nextAc="seek">
-              <p:cTn id="2" dur="indefinite" nodeType="mainSeq">
-                <p:childTnLst>
-                  <p:par>
-                    <p:cTn id="3" fill="hold">
-                      <p:stCondLst>
-                        <p:cond delay="indefinite"/>
-                      </p:stCondLst>
-                      <p:childTnLst>
-                        <p:par>
-                          <p:cTn id="4" fill="hold">
-                            <p:stCondLst>
-                              <p:cond delay="0"/>
-                            </p:stCondLst>
-                            <p:childTnLst>
-                              <p:par>
-                                <p:cTn id="5" presetID="1" presetClass="entr" presetSubtype="0" fill="hold" nodeType="clickEffect">
-                                  <p:stCondLst>
-                                    <p:cond delay="0"/>
-                                  </p:stCondLst>
-                                  <p:childTnLst>
-                                    <p:set>
-                                      <p:cBhvr>
-                                        <p:cTn id="6" dur="1" fill="hold">
-                                          <p:stCondLst>
-                                            <p:cond delay="0"/>
-                                          </p:stCondLst>
-                                        </p:cTn>
-                                        <p:tgtEl>
-                                          <p:spTgt spid="4"/>
-                                        </p:tgtEl>
-                                        <p:attrNameLst>
-                                          <p:attrName>style.visibility</p:attrName>
-                                        </p:attrNameLst>
-                                      </p:cBhvr>
-                                      <p:to>
-                                        <p:strVal val="visible"/>
-                                      </p:to>
-                                    </p:set>
-                                  </p:childTnLst>
-                                </p:cTn>
-                              </p:par>
-                            </p:childTnLst>
-                          </p:cTn>
-                        </p:par>
-                      </p:childTnLst>
-                    </p:cTn>
-                  </p:par>
-                  <p:par>
-                    <p:cTn id="7" fill="hold">
-                      <p:stCondLst>
-                        <p:cond delay="indefinite"/>
-                      </p:stCondLst>
-                      <p:childTnLst>
-                        <p:par>
-                          <p:cTn id="8" fill="hold">
-                            <p:stCondLst>
-                              <p:cond delay="0"/>
-                            </p:stCondLst>
-                            <p:childTnLst>
-                              <p:par>
-                                <p:cTn id="9" presetID="1" presetClass="entr" presetSubtype="0" fill="hold" grpId="0" nodeType="clickEffect">
-                                  <p:stCondLst>
-                                    <p:cond delay="0"/>
-                                  </p:stCondLst>
-                                  <p:childTnLst>
-                                    <p:set>
-                                      <p:cBhvr>
-                                        <p:cTn id="10" dur="1" fill="hold">
-                                          <p:stCondLst>
-                                            <p:cond delay="0"/>
-                                          </p:stCondLst>
-                                        </p:cTn>
-                                        <p:tgtEl>
-                                          <p:spTgt spid="8"/>
-                                        </p:tgtEl>
-                                        <p:attrNameLst>
-                                          <p:attrName>style.visibility</p:attrName>
-                                        </p:attrNameLst>
-                                      </p:cBhvr>
-                                      <p:to>
-                                        <p:strVal val="visible"/>
-                                      </p:to>
-                                    </p:set>
-                                  </p:childTnLst>
-                                </p:cTn>
-                              </p:par>
-                            </p:childTnLst>
-                          </p:cTn>
-                        </p:par>
-                      </p:childTnLst>
-                    </p:cTn>
-                  </p:par>
-                </p:childTnLst>
-              </p:cTn>
-              <p:prevCondLst>
-                <p:cond evt="onPrev" delay="0">
-                  <p:tgtEl>
-                    <p:sldTgt/>
-                  </p:tgtEl>
-                </p:cond>
-              </p:prevCondLst>
-              <p:nextCondLst>
-                <p:cond evt="onNext" delay="0">
-                  <p:tgtEl>
-                    <p:sldTgt/>
-                  </p:tgtEl>
-                </p:cond>
-              </p:nextCondLst>
-            </p:seq>
-          </p:childTnLst>
-        </p:cTn>
-      </p:par>
-    </p:tnLst>
-    <p:bldLst>
-      <p:bldP spid="8" grpId="0"/>
-    </p:bldLst>
-  </p:timing>
-</p:sld>
-</file>
-
-<file path=ppt/slides/slide12.xml><?xml version="1.0" encoding="utf-8"?>
-<p:sld xmlns:a="http://schemas.openxmlformats.org/drawingml/2006/main" xmlns:r="http://schemas.openxmlformats.org/officeDocument/2006/relationships" xmlns:p="http://schemas.openxmlformats.org/presentationml/2006/main">
-  <p:cSld>
-    <p:spTree>
-      <p:nvGrpSpPr>
         <p:cNvPr id="1" name="Shape 347"/>
         <p:cNvGrpSpPr/>
         <p:nvPr/>
@@ -27560,7 +27167,7 @@
             </a:pPr>
             <a:fld id="{00000000-1234-1234-1234-123412341234}" type="slidenum">
               <a:rPr lang="en-US"/>
-              <a:t>12</a:t>
+              <a:t>11</a:t>
             </a:fld>
             <a:endParaRPr/>
           </a:p>
